--- a/lectures/lecture01.pptx
+++ b/lectures/lecture01.pptx
@@ -36,6 +36,7 @@
     <p:sldId id="269" r:id="rId30"/>
     <p:sldId id="270" r:id="rId31"/>
     <p:sldId id="273" r:id="rId32"/>
+    <p:sldId id="288" r:id="rId33"/>
   </p:sldIdLst>
   <p:sldSz cx="12192000" cy="6858000"/>
   <p:notesSz cx="6858000" cy="9144000"/>
@@ -27057,7 +27058,7 @@
         <p:spPr>
           <a:xfrm>
             <a:off x="3195961" y="4563354"/>
-            <a:ext cx="2887009" cy="369332"/>
+            <a:ext cx="2949846" cy="369332"/>
           </a:xfrm>
           <a:prstGeom prst="rect">
             <a:avLst/>
@@ -27084,7 +27085,7 @@
                   <a:schemeClr val="bg1"/>
                 </a:solidFill>
               </a:rPr>
-              <a:t>(callback function)</a:t>
+              <a:t>(Callback Function)</a:t>
             </a:r>
             <a:endParaRPr lang="en-US" dirty="0">
               <a:solidFill>
@@ -30614,7 +30615,7 @@
             <a:avLst/>
           </a:prstGeom>
           <a:solidFill>
-            <a:srgbClr val="FFA400"/>
+            <a:srgbClr val="24F9CB"/>
           </a:solidFill>
         </p:spPr>
         <p:style>
@@ -30802,6 +30803,975 @@
         <p:spPr>
           <a:xfrm rot="10800000">
             <a:off x="2787090" y="5154221"/>
+            <a:ext cx="45719" cy="457200"/>
+          </a:xfrm>
+          <a:prstGeom prst="rect">
+            <a:avLst/>
+          </a:prstGeom>
+          <a:solidFill>
+            <a:srgbClr val="2CCBDE"/>
+          </a:solidFill>
+        </p:spPr>
+        <p:style>
+          <a:lnRef idx="2">
+            <a:schemeClr val="accent1">
+              <a:shade val="50000"/>
+            </a:schemeClr>
+          </a:lnRef>
+          <a:fillRef idx="1">
+            <a:schemeClr val="accent1"/>
+          </a:fillRef>
+          <a:effectRef idx="0">
+            <a:schemeClr val="accent1"/>
+          </a:effectRef>
+          <a:fontRef idx="minor">
+            <a:schemeClr val="lt1"/>
+          </a:fontRef>
+        </p:style>
+        <p:txBody>
+          <a:bodyPr rtlCol="0" anchor="ctr"/>
+          <a:lstStyle/>
+          <a:p>
+            <a:pPr marL="0" marR="0" lvl="0" indent="0" algn="ctr" defTabSz="914400" rtl="0" eaLnBrk="1" fontAlgn="auto" latinLnBrk="0" hangingPunct="1">
+              <a:lnSpc>
+                <a:spcPct val="100000"/>
+              </a:lnSpc>
+              <a:spcBef>
+                <a:spcPts val="0"/>
+              </a:spcBef>
+              <a:spcAft>
+                <a:spcPts val="0"/>
+              </a:spcAft>
+              <a:buClrTx/>
+              <a:buSzTx/>
+              <a:buFontTx/>
+              <a:buNone/>
+              <a:tabLst/>
+              <a:defRPr/>
+            </a:pPr>
+            <a:endParaRPr kumimoji="0" lang="en-US" sz="1800" b="0" i="0" u="none" strike="noStrike" kern="1200" cap="none" spc="0" normalizeH="0" baseline="0" noProof="0">
+              <a:ln>
+                <a:noFill/>
+              </a:ln>
+              <a:solidFill>
+                <a:srgbClr val="D64E31"/>
+              </a:solidFill>
+              <a:effectLst/>
+              <a:uLnTx/>
+              <a:uFillTx/>
+              <a:latin typeface="Calibri" panose="020F0502020204030204"/>
+              <a:ea typeface="+mn-ea"/>
+              <a:cs typeface="+mn-cs"/>
+            </a:endParaRPr>
+          </a:p>
+        </p:txBody>
+      </p:sp>
+      <p:sp>
+        <p:nvSpPr>
+          <p:cNvPr id="20" name="文本框 19">
+            <a:extLst>
+              <a:ext uri="{FF2B5EF4-FFF2-40B4-BE49-F238E27FC236}">
+                <a16:creationId xmlns:a16="http://schemas.microsoft.com/office/drawing/2014/main" id="{2224AEA3-E85E-4BC7-B781-7C00FECA15FD}"/>
+              </a:ext>
+            </a:extLst>
+          </p:cNvPr>
+          <p:cNvSpPr txBox="1"/>
+          <p:nvPr/>
+        </p:nvSpPr>
+        <p:spPr>
+          <a:xfrm>
+            <a:off x="2859778" y="5198155"/>
+            <a:ext cx="4768934" cy="369332"/>
+          </a:xfrm>
+          <a:prstGeom prst="rect">
+            <a:avLst/>
+          </a:prstGeom>
+          <a:noFill/>
+        </p:spPr>
+        <p:txBody>
+          <a:bodyPr wrap="square" rtlCol="0">
+            <a:spAutoFit/>
+          </a:bodyPr>
+          <a:lstStyle/>
+          <a:p>
+            <a:r>
+              <a:rPr lang="en-US" altLang="zh-CN" dirty="0">
+                <a:solidFill>
+                  <a:schemeClr val="bg1"/>
+                </a:solidFill>
+                <a:hlinkClick r:id="rId11"/>
+              </a:rPr>
+              <a:t>React</a:t>
+            </a:r>
+            <a:r>
+              <a:rPr lang="zh-CN" altLang="en-US" dirty="0">
+                <a:solidFill>
+                  <a:schemeClr val="bg1"/>
+                </a:solidFill>
+                <a:hlinkClick r:id="rId11"/>
+              </a:rPr>
+              <a:t>入门实例教程</a:t>
+            </a:r>
+            <a:endParaRPr lang="en-US" dirty="0">
+              <a:solidFill>
+                <a:schemeClr val="bg1"/>
+              </a:solidFill>
+            </a:endParaRPr>
+          </a:p>
+        </p:txBody>
+      </p:sp>
+    </p:spTree>
+    <p:extLst>
+      <p:ext uri="{BB962C8B-B14F-4D97-AF65-F5344CB8AC3E}">
+        <p14:creationId xmlns:p14="http://schemas.microsoft.com/office/powerpoint/2010/main" val="3207397959"/>
+      </p:ext>
+    </p:extLst>
+  </p:cSld>
+  <p:clrMapOvr>
+    <a:masterClrMapping/>
+  </p:clrMapOvr>
+</p:sld>
+</file>
+
+<file path=ppt/slides/slide32.xml><?xml version="1.0" encoding="utf-8"?>
+<p:sld xmlns:a="http://schemas.openxmlformats.org/drawingml/2006/main" xmlns:r="http://schemas.openxmlformats.org/officeDocument/2006/relationships" xmlns:p="http://schemas.openxmlformats.org/presentationml/2006/main">
+  <p:cSld>
+    <p:bg>
+      <p:bgPr>
+        <a:solidFill>
+          <a:srgbClr val="181720"/>
+        </a:solidFill>
+        <a:effectLst/>
+      </p:bgPr>
+    </p:bg>
+    <p:spTree>
+      <p:nvGrpSpPr>
+        <p:cNvPr id="1" name=""/>
+        <p:cNvGrpSpPr/>
+        <p:nvPr/>
+      </p:nvGrpSpPr>
+      <p:grpSpPr>
+        <a:xfrm>
+          <a:off x="0" y="0"/>
+          <a:ext cx="0" cy="0"/>
+          <a:chOff x="0" y="0"/>
+          <a:chExt cx="0" cy="0"/>
+        </a:xfrm>
+      </p:grpSpPr>
+      <p:sp>
+        <p:nvSpPr>
+          <p:cNvPr id="2" name="矩形 1">
+            <a:extLst>
+              <a:ext uri="{FF2B5EF4-FFF2-40B4-BE49-F238E27FC236}">
+                <a16:creationId xmlns:a16="http://schemas.microsoft.com/office/drawing/2014/main" id="{069C893A-C071-403F-8353-C92F429C302D}"/>
+              </a:ext>
+            </a:extLst>
+          </p:cNvPr>
+          <p:cNvSpPr/>
+          <p:nvPr/>
+        </p:nvSpPr>
+        <p:spPr>
+          <a:xfrm>
+            <a:off x="0" y="0"/>
+            <a:ext cx="2441359" cy="6858000"/>
+          </a:xfrm>
+          <a:prstGeom prst="rect">
+            <a:avLst/>
+          </a:prstGeom>
+          <a:solidFill>
+            <a:srgbClr val="0E0C13"/>
+          </a:solidFill>
+          <a:ln>
+            <a:noFill/>
+          </a:ln>
+        </p:spPr>
+        <p:style>
+          <a:lnRef idx="2">
+            <a:schemeClr val="accent1">
+              <a:shade val="50000"/>
+            </a:schemeClr>
+          </a:lnRef>
+          <a:fillRef idx="1">
+            <a:schemeClr val="accent1"/>
+          </a:fillRef>
+          <a:effectRef idx="0">
+            <a:schemeClr val="accent1"/>
+          </a:effectRef>
+          <a:fontRef idx="minor">
+            <a:schemeClr val="lt1"/>
+          </a:fontRef>
+        </p:style>
+        <p:txBody>
+          <a:bodyPr rtlCol="0" anchor="ctr"/>
+          <a:lstStyle/>
+          <a:p>
+            <a:pPr marL="0" marR="0" lvl="0" indent="0" algn="ctr" defTabSz="914400" rtl="0" eaLnBrk="1" fontAlgn="auto" latinLnBrk="0" hangingPunct="1">
+              <a:lnSpc>
+                <a:spcPct val="100000"/>
+              </a:lnSpc>
+              <a:spcBef>
+                <a:spcPts val="0"/>
+              </a:spcBef>
+              <a:spcAft>
+                <a:spcPts val="0"/>
+              </a:spcAft>
+              <a:buClrTx/>
+              <a:buSzTx/>
+              <a:buFontTx/>
+              <a:buNone/>
+              <a:tabLst/>
+              <a:defRPr/>
+            </a:pPr>
+            <a:endParaRPr kumimoji="0" lang="en-US" sz="1800" b="0" i="0" u="none" strike="noStrike" kern="1200" cap="none" spc="0" normalizeH="0" baseline="0" noProof="0" dirty="0">
+              <a:ln>
+                <a:noFill/>
+              </a:ln>
+              <a:solidFill>
+                <a:prstClr val="white"/>
+              </a:solidFill>
+              <a:effectLst/>
+              <a:uLnTx/>
+              <a:uFillTx/>
+              <a:latin typeface="Calibri" panose="020F0502020204030204"/>
+              <a:ea typeface="+mn-ea"/>
+              <a:cs typeface="+mn-cs"/>
+            </a:endParaRPr>
+          </a:p>
+        </p:txBody>
+      </p:sp>
+      <p:sp>
+        <p:nvSpPr>
+          <p:cNvPr id="3" name="文本框 2">
+            <a:extLst>
+              <a:ext uri="{FF2B5EF4-FFF2-40B4-BE49-F238E27FC236}">
+                <a16:creationId xmlns:a16="http://schemas.microsoft.com/office/drawing/2014/main" id="{D968BE20-DA68-43F0-B89E-E02EF03CDB71}"/>
+              </a:ext>
+            </a:extLst>
+          </p:cNvPr>
+          <p:cNvSpPr txBox="1"/>
+          <p:nvPr/>
+        </p:nvSpPr>
+        <p:spPr>
+          <a:xfrm>
+            <a:off x="345731" y="1580251"/>
+            <a:ext cx="963725" cy="1015663"/>
+          </a:xfrm>
+          <a:prstGeom prst="rect">
+            <a:avLst/>
+          </a:prstGeom>
+          <a:noFill/>
+        </p:spPr>
+        <p:txBody>
+          <a:bodyPr wrap="none" rtlCol="0">
+            <a:spAutoFit/>
+          </a:bodyPr>
+          <a:lstStyle/>
+          <a:p>
+            <a:pPr marL="0" marR="0" lvl="0" indent="0" algn="l" defTabSz="914400" rtl="0" eaLnBrk="1" fontAlgn="auto" latinLnBrk="0" hangingPunct="1">
+              <a:lnSpc>
+                <a:spcPct val="100000"/>
+              </a:lnSpc>
+              <a:spcBef>
+                <a:spcPts val="0"/>
+              </a:spcBef>
+              <a:spcAft>
+                <a:spcPts val="0"/>
+              </a:spcAft>
+              <a:buClrTx/>
+              <a:buSzTx/>
+              <a:buFontTx/>
+              <a:buNone/>
+              <a:tabLst/>
+              <a:defRPr/>
+            </a:pPr>
+            <a:r>
+              <a:rPr kumimoji="0" lang="en-US" sz="6000" b="0" i="0" u="none" strike="noStrike" kern="1200" cap="none" spc="0" normalizeH="0" baseline="0" noProof="0" dirty="0">
+                <a:ln>
+                  <a:noFill/>
+                </a:ln>
+                <a:solidFill>
+                  <a:srgbClr val="2CCBDE"/>
+                </a:solidFill>
+                <a:effectLst/>
+                <a:uLnTx/>
+                <a:uFillTx/>
+                <a:latin typeface="Calibri" panose="020F0502020204030204"/>
+                <a:ea typeface="+mn-ea"/>
+                <a:cs typeface="+mn-cs"/>
+              </a:rPr>
+              <a:t>19</a:t>
+            </a:r>
+          </a:p>
+        </p:txBody>
+      </p:sp>
+      <p:sp>
+        <p:nvSpPr>
+          <p:cNvPr id="4" name="文本框 3">
+            <a:extLst>
+              <a:ext uri="{FF2B5EF4-FFF2-40B4-BE49-F238E27FC236}">
+                <a16:creationId xmlns:a16="http://schemas.microsoft.com/office/drawing/2014/main" id="{D9EFCD6E-0E97-48A9-92EF-742E3905650D}"/>
+              </a:ext>
+            </a:extLst>
+          </p:cNvPr>
+          <p:cNvSpPr txBox="1"/>
+          <p:nvPr/>
+        </p:nvSpPr>
+        <p:spPr>
+          <a:xfrm>
+            <a:off x="345732" y="2595914"/>
+            <a:ext cx="1722766" cy="461665"/>
+          </a:xfrm>
+          <a:prstGeom prst="rect">
+            <a:avLst/>
+          </a:prstGeom>
+          <a:noFill/>
+        </p:spPr>
+        <p:txBody>
+          <a:bodyPr wrap="square" rtlCol="0">
+            <a:spAutoFit/>
+          </a:bodyPr>
+          <a:lstStyle/>
+          <a:p>
+            <a:pPr marL="0" marR="0" lvl="0" indent="0" algn="l" defTabSz="914400" rtl="0" eaLnBrk="1" fontAlgn="auto" latinLnBrk="0" hangingPunct="1">
+              <a:lnSpc>
+                <a:spcPct val="100000"/>
+              </a:lnSpc>
+              <a:spcBef>
+                <a:spcPts val="0"/>
+              </a:spcBef>
+              <a:spcAft>
+                <a:spcPts val="0"/>
+              </a:spcAft>
+              <a:buClrTx/>
+              <a:buSzTx/>
+              <a:buFontTx/>
+              <a:buNone/>
+              <a:tabLst/>
+              <a:defRPr/>
+            </a:pPr>
+            <a:r>
+              <a:rPr kumimoji="0" lang="zh-CN" altLang="en-US" sz="2400" b="0" i="0" u="none" strike="noStrike" kern="1200" cap="none" spc="0" normalizeH="0" baseline="0" noProof="0" dirty="0">
+                <a:ln>
+                  <a:noFill/>
+                </a:ln>
+                <a:solidFill>
+                  <a:prstClr val="white"/>
+                </a:solidFill>
+                <a:effectLst/>
+                <a:uLnTx/>
+                <a:uFillTx/>
+                <a:latin typeface="Calibri" panose="020F0502020204030204"/>
+                <a:ea typeface="等线" panose="02010600030101010101" pitchFamily="2" charset="-122"/>
+                <a:cs typeface="+mn-cs"/>
+              </a:rPr>
+              <a:t>其它材料</a:t>
+            </a:r>
+            <a:endParaRPr kumimoji="0" lang="en-US" altLang="zh-CN" sz="2400" b="0" i="0" u="none" strike="noStrike" kern="1200" cap="none" spc="0" normalizeH="0" baseline="0" noProof="0" dirty="0">
+              <a:ln>
+                <a:noFill/>
+              </a:ln>
+              <a:solidFill>
+                <a:prstClr val="white"/>
+              </a:solidFill>
+              <a:effectLst/>
+              <a:uLnTx/>
+              <a:uFillTx/>
+              <a:latin typeface="Calibri" panose="020F0502020204030204"/>
+              <a:ea typeface="等线" panose="02010600030101010101" pitchFamily="2" charset="-122"/>
+              <a:cs typeface="+mn-cs"/>
+            </a:endParaRPr>
+          </a:p>
+        </p:txBody>
+      </p:sp>
+      <p:pic>
+        <p:nvPicPr>
+          <p:cNvPr id="15" name="图形 14">
+            <a:extLst>
+              <a:ext uri="{FF2B5EF4-FFF2-40B4-BE49-F238E27FC236}">
+                <a16:creationId xmlns:a16="http://schemas.microsoft.com/office/drawing/2014/main" id="{9DE9FC21-69B1-415C-91EC-CC24DC17B93B}"/>
+              </a:ext>
+            </a:extLst>
+          </p:cNvPr>
+          <p:cNvPicPr>
+            <a:picLocks noChangeAspect="1"/>
+          </p:cNvPicPr>
+          <p:nvPr/>
+        </p:nvPicPr>
+        <p:blipFill>
+          <a:blip r:embed="rId2">
+            <a:extLst>
+              <a:ext uri="{96DAC541-7B7A-43D3-8B79-37D633B846F1}">
+                <asvg:svgBlip xmlns:asvg="http://schemas.microsoft.com/office/drawing/2016/SVG/main" r:embed="rId3"/>
+              </a:ext>
+            </a:extLst>
+          </a:blip>
+          <a:stretch>
+            <a:fillRect/>
+          </a:stretch>
+        </p:blipFill>
+        <p:spPr>
+          <a:xfrm>
+            <a:off x="214225" y="6493296"/>
+            <a:ext cx="1514139" cy="182880"/>
+          </a:xfrm>
+          <a:prstGeom prst="rect">
+            <a:avLst/>
+          </a:prstGeom>
+        </p:spPr>
+      </p:pic>
+      <p:sp>
+        <p:nvSpPr>
+          <p:cNvPr id="21" name="Rectangle 3">
+            <a:extLst>
+              <a:ext uri="{FF2B5EF4-FFF2-40B4-BE49-F238E27FC236}">
+                <a16:creationId xmlns:a16="http://schemas.microsoft.com/office/drawing/2014/main" id="{B077282A-7F1A-4BBA-9988-BE974FB53921}"/>
+              </a:ext>
+            </a:extLst>
+          </p:cNvPr>
+          <p:cNvSpPr/>
+          <p:nvPr/>
+        </p:nvSpPr>
+        <p:spPr>
+          <a:xfrm rot="10800000">
+            <a:off x="3106686" y="1763119"/>
+            <a:ext cx="45719" cy="457200"/>
+          </a:xfrm>
+          <a:prstGeom prst="rect">
+            <a:avLst/>
+          </a:prstGeom>
+          <a:solidFill>
+            <a:srgbClr val="24F9CB"/>
+          </a:solidFill>
+        </p:spPr>
+        <p:style>
+          <a:lnRef idx="2">
+            <a:schemeClr val="accent1">
+              <a:shade val="50000"/>
+            </a:schemeClr>
+          </a:lnRef>
+          <a:fillRef idx="1">
+            <a:schemeClr val="accent1"/>
+          </a:fillRef>
+          <a:effectRef idx="0">
+            <a:schemeClr val="accent1"/>
+          </a:effectRef>
+          <a:fontRef idx="minor">
+            <a:schemeClr val="lt1"/>
+          </a:fontRef>
+        </p:style>
+        <p:txBody>
+          <a:bodyPr rtlCol="0" anchor="ctr"/>
+          <a:lstStyle/>
+          <a:p>
+            <a:pPr marL="0" marR="0" lvl="0" indent="0" algn="ctr" defTabSz="914400" rtl="0" eaLnBrk="1" fontAlgn="auto" latinLnBrk="0" hangingPunct="1">
+              <a:lnSpc>
+                <a:spcPct val="100000"/>
+              </a:lnSpc>
+              <a:spcBef>
+                <a:spcPts val="0"/>
+              </a:spcBef>
+              <a:spcAft>
+                <a:spcPts val="0"/>
+              </a:spcAft>
+              <a:buClrTx/>
+              <a:buSzTx/>
+              <a:buFontTx/>
+              <a:buNone/>
+              <a:tabLst/>
+              <a:defRPr/>
+            </a:pPr>
+            <a:endParaRPr kumimoji="0" lang="en-US" sz="1800" b="0" i="0" u="none" strike="noStrike" kern="1200" cap="none" spc="0" normalizeH="0" baseline="0" noProof="0">
+              <a:ln>
+                <a:noFill/>
+              </a:ln>
+              <a:solidFill>
+                <a:prstClr val="white"/>
+              </a:solidFill>
+              <a:effectLst/>
+              <a:uLnTx/>
+              <a:uFillTx/>
+              <a:latin typeface="Calibri" panose="020F0502020204030204"/>
+              <a:ea typeface="+mn-ea"/>
+              <a:cs typeface="+mn-cs"/>
+            </a:endParaRPr>
+          </a:p>
+        </p:txBody>
+      </p:sp>
+      <p:sp>
+        <p:nvSpPr>
+          <p:cNvPr id="22" name="文本框 21">
+            <a:extLst>
+              <a:ext uri="{FF2B5EF4-FFF2-40B4-BE49-F238E27FC236}">
+                <a16:creationId xmlns:a16="http://schemas.microsoft.com/office/drawing/2014/main" id="{09A9B748-F17B-4203-A60F-A9BA2DED2221}"/>
+              </a:ext>
+            </a:extLst>
+          </p:cNvPr>
+          <p:cNvSpPr txBox="1"/>
+          <p:nvPr/>
+        </p:nvSpPr>
+        <p:spPr>
+          <a:xfrm>
+            <a:off x="3179374" y="1807053"/>
+            <a:ext cx="6984226" cy="369332"/>
+          </a:xfrm>
+          <a:prstGeom prst="rect">
+            <a:avLst/>
+          </a:prstGeom>
+          <a:noFill/>
+        </p:spPr>
+        <p:txBody>
+          <a:bodyPr wrap="square" rtlCol="0">
+            <a:spAutoFit/>
+          </a:bodyPr>
+          <a:lstStyle/>
+          <a:p>
+            <a:pPr lvl="0">
+              <a:defRPr/>
+            </a:pPr>
+            <a:r>
+              <a:rPr lang="en-US" altLang="zh-CN" dirty="0">
+                <a:solidFill>
+                  <a:prstClr val="white"/>
+                </a:solidFill>
+                <a:latin typeface="Calibri" panose="020F0502020204030204"/>
+                <a:ea typeface="等线" panose="02010600030101010101" pitchFamily="2" charset="-122"/>
+                <a:hlinkClick r:id="rId4"/>
+              </a:rPr>
+              <a:t>Github</a:t>
+            </a:r>
+            <a:r>
+              <a:rPr lang="zh-CN" altLang="en-US" dirty="0">
+                <a:solidFill>
+                  <a:prstClr val="white"/>
+                </a:solidFill>
+                <a:latin typeface="Calibri" panose="020F0502020204030204"/>
+                <a:ea typeface="等线" panose="02010600030101010101" pitchFamily="2" charset="-122"/>
+                <a:hlinkClick r:id="rId4"/>
+              </a:rPr>
+              <a:t>地址</a:t>
+            </a:r>
+            <a:endParaRPr kumimoji="0" lang="en-US" altLang="zh-CN" sz="1800" b="0" i="0" u="none" strike="noStrike" kern="1200" cap="none" spc="0" normalizeH="0" baseline="0" noProof="0" dirty="0">
+              <a:ln>
+                <a:noFill/>
+              </a:ln>
+              <a:solidFill>
+                <a:prstClr val="white"/>
+              </a:solidFill>
+              <a:effectLst/>
+              <a:uLnTx/>
+              <a:uFillTx/>
+              <a:latin typeface="Calibri" panose="020F0502020204030204"/>
+              <a:ea typeface="等线" panose="02010600030101010101" pitchFamily="2" charset="-122"/>
+              <a:cs typeface="+mn-cs"/>
+            </a:endParaRPr>
+          </a:p>
+        </p:txBody>
+      </p:sp>
+      <p:sp>
+        <p:nvSpPr>
+          <p:cNvPr id="23" name="文本框 22">
+            <a:extLst>
+              <a:ext uri="{FF2B5EF4-FFF2-40B4-BE49-F238E27FC236}">
+                <a16:creationId xmlns:a16="http://schemas.microsoft.com/office/drawing/2014/main" id="{D4C18E5F-42F8-4E87-9371-FC0985EAD581}"/>
+              </a:ext>
+            </a:extLst>
+          </p:cNvPr>
+          <p:cNvSpPr txBox="1"/>
+          <p:nvPr/>
+        </p:nvSpPr>
+        <p:spPr>
+          <a:xfrm>
+            <a:off x="3179374" y="2215102"/>
+            <a:ext cx="8035915" cy="369332"/>
+          </a:xfrm>
+          <a:prstGeom prst="rect">
+            <a:avLst/>
+          </a:prstGeom>
+          <a:noFill/>
+        </p:spPr>
+        <p:txBody>
+          <a:bodyPr wrap="square" rtlCol="0">
+            <a:spAutoFit/>
+          </a:bodyPr>
+          <a:lstStyle/>
+          <a:p>
+            <a:pPr marL="0" marR="0" lvl="0" indent="0" algn="l" defTabSz="914400" rtl="0" eaLnBrk="1" fontAlgn="auto" latinLnBrk="0" hangingPunct="1">
+              <a:lnSpc>
+                <a:spcPct val="100000"/>
+              </a:lnSpc>
+              <a:spcBef>
+                <a:spcPts val="0"/>
+              </a:spcBef>
+              <a:spcAft>
+                <a:spcPts val="0"/>
+              </a:spcAft>
+              <a:buClrTx/>
+              <a:buSzTx/>
+              <a:buFontTx/>
+              <a:buNone/>
+              <a:tabLst/>
+              <a:defRPr/>
+            </a:pPr>
+            <a:r>
+              <a:rPr kumimoji="0" lang="zh-CN" altLang="en-US" sz="1800" b="0" i="0" u="none" strike="noStrike" kern="1200" cap="none" spc="0" normalizeH="0" baseline="0" noProof="0" dirty="0">
+                <a:ln>
+                  <a:noFill/>
+                </a:ln>
+                <a:solidFill>
+                  <a:prstClr val="white"/>
+                </a:solidFill>
+                <a:effectLst/>
+                <a:uLnTx/>
+                <a:uFillTx/>
+                <a:latin typeface="Calibri" panose="020F0502020204030204"/>
+                <a:ea typeface="等线" panose="02010600030101010101" pitchFamily="2" charset="-122"/>
+                <a:cs typeface="+mn-cs"/>
+              </a:rPr>
+              <a:t>切换到</a:t>
+            </a:r>
+            <a:r>
+              <a:rPr kumimoji="0" lang="en-US" altLang="zh-CN" sz="1800" b="0" i="0" u="none" strike="noStrike" kern="1200" cap="none" spc="0" normalizeH="0" baseline="0" noProof="0" dirty="0">
+                <a:ln>
+                  <a:noFill/>
+                </a:ln>
+                <a:solidFill>
+                  <a:prstClr val="white"/>
+                </a:solidFill>
+                <a:effectLst/>
+                <a:uLnTx/>
+                <a:uFillTx/>
+                <a:latin typeface="Calibri" panose="020F0502020204030204"/>
+                <a:ea typeface="等线" panose="02010600030101010101" pitchFamily="2" charset="-122"/>
+                <a:cs typeface="+mn-cs"/>
+              </a:rPr>
+              <a:t>branch lecture01</a:t>
+            </a:r>
+            <a:r>
+              <a:rPr kumimoji="0" lang="zh-CN" altLang="en-US" sz="1800" b="0" i="0" u="none" strike="noStrike" kern="1200" cap="none" spc="0" normalizeH="0" baseline="0" noProof="0" dirty="0">
+                <a:ln>
+                  <a:noFill/>
+                </a:ln>
+                <a:solidFill>
+                  <a:prstClr val="white"/>
+                </a:solidFill>
+                <a:effectLst/>
+                <a:uLnTx/>
+                <a:uFillTx/>
+                <a:latin typeface="Calibri" panose="020F0502020204030204"/>
+                <a:ea typeface="等线" panose="02010600030101010101" pitchFamily="2" charset="-122"/>
+                <a:cs typeface="+mn-cs"/>
+              </a:rPr>
+              <a:t>查看本节课展示的代码</a:t>
+            </a:r>
+            <a:endParaRPr kumimoji="0" lang="en-US" altLang="zh-CN" sz="1800" b="0" i="0" u="none" strike="noStrike" kern="1200" cap="none" spc="0" normalizeH="0" baseline="0" noProof="0" dirty="0">
+              <a:ln>
+                <a:noFill/>
+              </a:ln>
+              <a:solidFill>
+                <a:prstClr val="white"/>
+              </a:solidFill>
+              <a:effectLst/>
+              <a:uLnTx/>
+              <a:uFillTx/>
+              <a:latin typeface="Calibri" panose="020F0502020204030204"/>
+              <a:ea typeface="等线" panose="02010600030101010101" pitchFamily="2" charset="-122"/>
+              <a:cs typeface="+mn-cs"/>
+            </a:endParaRPr>
+          </a:p>
+        </p:txBody>
+      </p:sp>
+      <p:sp>
+        <p:nvSpPr>
+          <p:cNvPr id="24" name="文本框 23">
+            <a:extLst>
+              <a:ext uri="{FF2B5EF4-FFF2-40B4-BE49-F238E27FC236}">
+                <a16:creationId xmlns:a16="http://schemas.microsoft.com/office/drawing/2014/main" id="{56A07B00-7E9A-42BA-A1FB-A317FC14437B}"/>
+              </a:ext>
+            </a:extLst>
+          </p:cNvPr>
+          <p:cNvSpPr txBox="1"/>
+          <p:nvPr/>
+        </p:nvSpPr>
+        <p:spPr>
+          <a:xfrm>
+            <a:off x="3179374" y="2552168"/>
+            <a:ext cx="8035915" cy="369332"/>
+          </a:xfrm>
+          <a:prstGeom prst="rect">
+            <a:avLst/>
+          </a:prstGeom>
+          <a:noFill/>
+        </p:spPr>
+        <p:txBody>
+          <a:bodyPr wrap="square" rtlCol="0">
+            <a:spAutoFit/>
+          </a:bodyPr>
+          <a:lstStyle/>
+          <a:p>
+            <a:pPr marL="0" marR="0" lvl="0" indent="0" algn="l" defTabSz="914400" rtl="0" eaLnBrk="1" fontAlgn="auto" latinLnBrk="0" hangingPunct="1">
+              <a:lnSpc>
+                <a:spcPct val="100000"/>
+              </a:lnSpc>
+              <a:spcBef>
+                <a:spcPts val="0"/>
+              </a:spcBef>
+              <a:spcAft>
+                <a:spcPts val="0"/>
+              </a:spcAft>
+              <a:buClrTx/>
+              <a:buSzTx/>
+              <a:buFontTx/>
+              <a:buNone/>
+              <a:tabLst/>
+              <a:defRPr/>
+            </a:pPr>
+            <a:r>
+              <a:rPr kumimoji="0" lang="zh-CN" altLang="en-US" sz="1800" b="0" i="0" u="none" strike="noStrike" kern="1200" cap="none" spc="0" normalizeH="0" baseline="0" noProof="0" dirty="0">
+                <a:ln>
+                  <a:noFill/>
+                </a:ln>
+                <a:solidFill>
+                  <a:prstClr val="white"/>
+                </a:solidFill>
+                <a:effectLst/>
+                <a:uLnTx/>
+                <a:uFillTx/>
+                <a:latin typeface="Calibri" panose="020F0502020204030204"/>
+                <a:ea typeface="等线" panose="02010600030101010101" pitchFamily="2" charset="-122"/>
+                <a:cs typeface="+mn-cs"/>
+              </a:rPr>
+              <a:t>在</a:t>
+            </a:r>
+            <a:r>
+              <a:rPr kumimoji="0" lang="en-US" altLang="zh-CN" sz="1800" b="0" i="0" u="none" strike="noStrike" kern="1200" cap="none" spc="0" normalizeH="0" baseline="0" noProof="0" dirty="0" err="1">
+                <a:ln>
+                  <a:noFill/>
+                </a:ln>
+                <a:solidFill>
+                  <a:prstClr val="white"/>
+                </a:solidFill>
+                <a:effectLst/>
+                <a:uLnTx/>
+                <a:uFillTx/>
+                <a:latin typeface="Calibri" panose="020F0502020204030204"/>
+                <a:ea typeface="等线" panose="02010600030101010101" pitchFamily="2" charset="-122"/>
+                <a:cs typeface="+mn-cs"/>
+              </a:rPr>
+              <a:t>ui</a:t>
+            </a:r>
+            <a:r>
+              <a:rPr kumimoji="0" lang="en-US" altLang="zh-CN" sz="1800" b="0" i="0" u="none" strike="noStrike" kern="1200" cap="none" spc="0" normalizeH="0" baseline="0" noProof="0" dirty="0">
+                <a:ln>
+                  <a:noFill/>
+                </a:ln>
+                <a:solidFill>
+                  <a:prstClr val="white"/>
+                </a:solidFill>
+                <a:effectLst/>
+                <a:uLnTx/>
+                <a:uFillTx/>
+                <a:latin typeface="Calibri" panose="020F0502020204030204"/>
+                <a:ea typeface="等线" panose="02010600030101010101" pitchFamily="2" charset="-122"/>
+                <a:cs typeface="+mn-cs"/>
+              </a:rPr>
+              <a:t> design</a:t>
+            </a:r>
+            <a:r>
+              <a:rPr kumimoji="0" lang="zh-CN" altLang="en-US" sz="1800" b="0" i="0" u="none" strike="noStrike" kern="1200" cap="none" spc="0" normalizeH="0" baseline="0" noProof="0" dirty="0">
+                <a:ln>
+                  <a:noFill/>
+                </a:ln>
+                <a:solidFill>
+                  <a:prstClr val="white"/>
+                </a:solidFill>
+                <a:effectLst/>
+                <a:uLnTx/>
+                <a:uFillTx/>
+                <a:latin typeface="Calibri" panose="020F0502020204030204"/>
+                <a:ea typeface="等线" panose="02010600030101010101" pitchFamily="2" charset="-122"/>
+                <a:cs typeface="+mn-cs"/>
+              </a:rPr>
+              <a:t>目录下可以找到</a:t>
+            </a:r>
+            <a:r>
+              <a:rPr kumimoji="0" lang="en-US" altLang="zh-CN" sz="1800" b="0" i="0" u="none" strike="noStrike" kern="1200" cap="none" spc="0" normalizeH="0" baseline="0" noProof="0" dirty="0">
+                <a:ln>
+                  <a:noFill/>
+                </a:ln>
+                <a:solidFill>
+                  <a:prstClr val="white"/>
+                </a:solidFill>
+                <a:effectLst/>
+                <a:uLnTx/>
+                <a:uFillTx/>
+                <a:latin typeface="Calibri" panose="020F0502020204030204"/>
+                <a:ea typeface="等线" panose="02010600030101010101" pitchFamily="2" charset="-122"/>
+                <a:cs typeface="+mn-cs"/>
+              </a:rPr>
+              <a:t>UI</a:t>
+            </a:r>
+            <a:r>
+              <a:rPr kumimoji="0" lang="zh-CN" altLang="en-US" sz="1800" b="0" i="0" u="none" strike="noStrike" kern="1200" cap="none" spc="0" normalizeH="0" baseline="0" noProof="0" dirty="0">
+                <a:ln>
+                  <a:noFill/>
+                </a:ln>
+                <a:solidFill>
+                  <a:prstClr val="white"/>
+                </a:solidFill>
+                <a:effectLst/>
+                <a:uLnTx/>
+                <a:uFillTx/>
+                <a:latin typeface="Calibri" panose="020F0502020204030204"/>
+                <a:ea typeface="等线" panose="02010600030101010101" pitchFamily="2" charset="-122"/>
+                <a:cs typeface="+mn-cs"/>
+              </a:rPr>
+              <a:t>设计文件以及所有需要用到的素材</a:t>
+            </a:r>
+            <a:endParaRPr kumimoji="0" lang="en-US" altLang="zh-CN" sz="1800" b="0" i="0" u="none" strike="noStrike" kern="1200" cap="none" spc="0" normalizeH="0" baseline="0" noProof="0" dirty="0">
+              <a:ln>
+                <a:noFill/>
+              </a:ln>
+              <a:solidFill>
+                <a:prstClr val="white"/>
+              </a:solidFill>
+              <a:effectLst/>
+              <a:uLnTx/>
+              <a:uFillTx/>
+              <a:latin typeface="Calibri" panose="020F0502020204030204"/>
+              <a:ea typeface="等线" panose="02010600030101010101" pitchFamily="2" charset="-122"/>
+              <a:cs typeface="+mn-cs"/>
+            </a:endParaRPr>
+          </a:p>
+        </p:txBody>
+      </p:sp>
+      <p:sp>
+        <p:nvSpPr>
+          <p:cNvPr id="25" name="文本框 24">
+            <a:extLst>
+              <a:ext uri="{FF2B5EF4-FFF2-40B4-BE49-F238E27FC236}">
+                <a16:creationId xmlns:a16="http://schemas.microsoft.com/office/drawing/2014/main" id="{3D6E0030-E387-4EFF-ABF1-830B3C312B0A}"/>
+              </a:ext>
+            </a:extLst>
+          </p:cNvPr>
+          <p:cNvSpPr txBox="1"/>
+          <p:nvPr/>
+        </p:nvSpPr>
+        <p:spPr>
+          <a:xfrm>
+            <a:off x="3179374" y="2921500"/>
+            <a:ext cx="8035915" cy="369332"/>
+          </a:xfrm>
+          <a:prstGeom prst="rect">
+            <a:avLst/>
+          </a:prstGeom>
+          <a:noFill/>
+        </p:spPr>
+        <p:txBody>
+          <a:bodyPr wrap="square" rtlCol="0">
+            <a:spAutoFit/>
+          </a:bodyPr>
+          <a:lstStyle/>
+          <a:p>
+            <a:pPr marL="0" marR="0" lvl="0" indent="0" algn="l" defTabSz="914400" rtl="0" eaLnBrk="1" fontAlgn="auto" latinLnBrk="0" hangingPunct="1">
+              <a:lnSpc>
+                <a:spcPct val="100000"/>
+              </a:lnSpc>
+              <a:spcBef>
+                <a:spcPts val="0"/>
+              </a:spcBef>
+              <a:spcAft>
+                <a:spcPts val="0"/>
+              </a:spcAft>
+              <a:buClrTx/>
+              <a:buSzTx/>
+              <a:buFontTx/>
+              <a:buNone/>
+              <a:tabLst/>
+              <a:defRPr/>
+            </a:pPr>
+            <a:r>
+              <a:rPr kumimoji="0" lang="zh-CN" altLang="en-US" sz="1800" b="0" i="0" u="none" strike="noStrike" kern="1200" cap="none" spc="0" normalizeH="0" baseline="0" noProof="0" dirty="0">
+                <a:ln>
+                  <a:noFill/>
+                </a:ln>
+                <a:solidFill>
+                  <a:prstClr val="white"/>
+                </a:solidFill>
+                <a:effectLst/>
+                <a:uLnTx/>
+                <a:uFillTx/>
+                <a:latin typeface="Calibri" panose="020F0502020204030204"/>
+                <a:ea typeface="等线" panose="02010600030101010101" pitchFamily="2" charset="-122"/>
+                <a:cs typeface="+mn-cs"/>
+              </a:rPr>
+              <a:t>在</a:t>
+            </a:r>
+            <a:r>
+              <a:rPr kumimoji="0" lang="en-US" altLang="zh-CN" sz="1800" b="0" i="0" u="none" strike="noStrike" kern="1200" cap="none" spc="0" normalizeH="0" baseline="0" noProof="0" dirty="0">
+                <a:ln>
+                  <a:noFill/>
+                </a:ln>
+                <a:solidFill>
+                  <a:prstClr val="white"/>
+                </a:solidFill>
+                <a:effectLst/>
+                <a:uLnTx/>
+                <a:uFillTx/>
+                <a:latin typeface="Calibri" panose="020F0502020204030204"/>
+                <a:ea typeface="等线" panose="02010600030101010101" pitchFamily="2" charset="-122"/>
+                <a:cs typeface="+mn-cs"/>
+              </a:rPr>
+              <a:t>lectures</a:t>
+            </a:r>
+            <a:r>
+              <a:rPr kumimoji="0" lang="zh-CN" altLang="en-US" sz="1800" b="0" i="0" u="none" strike="noStrike" kern="1200" cap="none" spc="0" normalizeH="0" baseline="0" noProof="0" dirty="0">
+                <a:ln>
+                  <a:noFill/>
+                </a:ln>
+                <a:solidFill>
+                  <a:prstClr val="white"/>
+                </a:solidFill>
+                <a:effectLst/>
+                <a:uLnTx/>
+                <a:uFillTx/>
+                <a:latin typeface="Calibri" panose="020F0502020204030204"/>
+                <a:ea typeface="等线" panose="02010600030101010101" pitchFamily="2" charset="-122"/>
+                <a:cs typeface="+mn-cs"/>
+              </a:rPr>
+              <a:t>目录下可以找到每节课的课件</a:t>
+            </a:r>
+            <a:endParaRPr kumimoji="0" lang="en-US" altLang="zh-CN" sz="1800" b="0" i="0" u="none" strike="noStrike" kern="1200" cap="none" spc="0" normalizeH="0" baseline="0" noProof="0" dirty="0">
+              <a:ln>
+                <a:noFill/>
+              </a:ln>
+              <a:solidFill>
+                <a:prstClr val="white"/>
+              </a:solidFill>
+              <a:effectLst/>
+              <a:uLnTx/>
+              <a:uFillTx/>
+              <a:latin typeface="Calibri" panose="020F0502020204030204"/>
+              <a:ea typeface="等线" panose="02010600030101010101" pitchFamily="2" charset="-122"/>
+              <a:cs typeface="+mn-cs"/>
+            </a:endParaRPr>
+          </a:p>
+        </p:txBody>
+      </p:sp>
+      <p:sp>
+        <p:nvSpPr>
+          <p:cNvPr id="26" name="Rectangle 3">
+            <a:extLst>
+              <a:ext uri="{FF2B5EF4-FFF2-40B4-BE49-F238E27FC236}">
+                <a16:creationId xmlns:a16="http://schemas.microsoft.com/office/drawing/2014/main" id="{4649256F-C650-4185-A5EE-40AA9F86ED58}"/>
+              </a:ext>
+            </a:extLst>
+          </p:cNvPr>
+          <p:cNvSpPr/>
+          <p:nvPr/>
+        </p:nvSpPr>
+        <p:spPr>
+          <a:xfrm rot="10800000">
+            <a:off x="3106686" y="3338569"/>
             <a:ext cx="45719" cy="457200"/>
           </a:xfrm>
           <a:prstGeom prst="rect">
@@ -30853,7 +31823,7 @@
                 <a:noFill/>
               </a:ln>
               <a:solidFill>
-                <a:srgbClr val="D64E31"/>
+                <a:prstClr val="white"/>
               </a:solidFill>
               <a:effectLst/>
               <a:uLnTx/>
@@ -30867,10 +31837,10 @@
       </p:sp>
       <p:sp>
         <p:nvSpPr>
-          <p:cNvPr id="20" name="文本框 19">
-            <a:extLst>
-              <a:ext uri="{FF2B5EF4-FFF2-40B4-BE49-F238E27FC236}">
-                <a16:creationId xmlns:a16="http://schemas.microsoft.com/office/drawing/2014/main" id="{2224AEA3-E85E-4BC7-B781-7C00FECA15FD}"/>
+          <p:cNvPr id="27" name="文本框 26">
+            <a:extLst>
+              <a:ext uri="{FF2B5EF4-FFF2-40B4-BE49-F238E27FC236}">
+                <a16:creationId xmlns:a16="http://schemas.microsoft.com/office/drawing/2014/main" id="{195AC2E9-84C1-4198-BA69-508639E57A4B}"/>
               </a:ext>
             </a:extLst>
           </p:cNvPr>
@@ -30879,8 +31849,8 @@
         </p:nvSpPr>
         <p:spPr>
           <a:xfrm>
-            <a:off x="2859778" y="5198155"/>
-            <a:ext cx="4768934" cy="369332"/>
+            <a:off x="3179374" y="3382503"/>
+            <a:ext cx="8116572" cy="646331"/>
           </a:xfrm>
           <a:prstGeom prst="rect">
             <a:avLst/>
@@ -30893,28 +31863,278 @@
           </a:bodyPr>
           <a:lstStyle/>
           <a:p>
+            <a:pPr lvl="0">
+              <a:defRPr/>
+            </a:pPr>
             <a:r>
               <a:rPr lang="en-US" altLang="zh-CN" dirty="0">
                 <a:solidFill>
-                  <a:schemeClr val="bg1"/>
-                </a:solidFill>
-                <a:hlinkClick r:id="rId11"/>
-              </a:rPr>
-              <a:t>React</a:t>
+                  <a:prstClr val="white"/>
+                </a:solidFill>
+                <a:latin typeface="Calibri" panose="020F0502020204030204"/>
+                <a:ea typeface="等线" panose="02010600030101010101" pitchFamily="2" charset="-122"/>
+              </a:rPr>
+              <a:t>Sketch</a:t>
             </a:r>
             <a:r>
               <a:rPr lang="zh-CN" altLang="en-US" dirty="0">
                 <a:solidFill>
-                  <a:schemeClr val="bg1"/>
-                </a:solidFill>
-                <a:hlinkClick r:id="rId11"/>
-              </a:rPr>
-              <a:t>入门实例教程</a:t>
-            </a:r>
-            <a:endParaRPr lang="en-US" dirty="0">
+                  <a:prstClr val="white"/>
+                </a:solidFill>
+                <a:latin typeface="Calibri" panose="020F0502020204030204"/>
+                <a:ea typeface="等线" panose="02010600030101010101" pitchFamily="2" charset="-122"/>
+              </a:rPr>
+              <a:t>破解版下载：</a:t>
+            </a:r>
+            <a:r>
+              <a:rPr lang="en-US" altLang="zh-CN" dirty="0">
+                <a:solidFill>
+                  <a:prstClr val="white"/>
+                </a:solidFill>
+              </a:rPr>
+              <a:t>https://pan.baidu.com/share/init?surl=H6vQRu1L9iZfc3mYL5fZqA#5wf1</a:t>
+            </a:r>
+            <a:endParaRPr kumimoji="0" lang="en-US" altLang="zh-CN" sz="1800" b="0" i="0" u="none" strike="noStrike" kern="1200" cap="none" spc="0" normalizeH="0" baseline="0" noProof="0" dirty="0">
+              <a:ln>
+                <a:noFill/>
+              </a:ln>
               <a:solidFill>
-                <a:schemeClr val="bg1"/>
+                <a:prstClr val="white"/>
               </a:solidFill>
+              <a:effectLst/>
+              <a:uLnTx/>
+              <a:uFillTx/>
+              <a:latin typeface="Calibri" panose="020F0502020204030204"/>
+              <a:ea typeface="等线" panose="02010600030101010101" pitchFamily="2" charset="-122"/>
+              <a:cs typeface="+mn-cs"/>
+            </a:endParaRPr>
+          </a:p>
+        </p:txBody>
+      </p:sp>
+      <p:sp>
+        <p:nvSpPr>
+          <p:cNvPr id="30" name="文本框 29">
+            <a:extLst>
+              <a:ext uri="{FF2B5EF4-FFF2-40B4-BE49-F238E27FC236}">
+                <a16:creationId xmlns:a16="http://schemas.microsoft.com/office/drawing/2014/main" id="{8A53234B-8648-47C6-9A94-399EE9A68354}"/>
+              </a:ext>
+            </a:extLst>
+          </p:cNvPr>
+          <p:cNvSpPr txBox="1"/>
+          <p:nvPr/>
+        </p:nvSpPr>
+        <p:spPr>
+          <a:xfrm>
+            <a:off x="3179374" y="4028834"/>
+            <a:ext cx="8035915" cy="369332"/>
+          </a:xfrm>
+          <a:prstGeom prst="rect">
+            <a:avLst/>
+          </a:prstGeom>
+          <a:noFill/>
+        </p:spPr>
+        <p:txBody>
+          <a:bodyPr wrap="square" rtlCol="0">
+            <a:spAutoFit/>
+          </a:bodyPr>
+          <a:lstStyle/>
+          <a:p>
+            <a:pPr marL="0" marR="0" lvl="0" indent="0" algn="l" defTabSz="914400" rtl="0" eaLnBrk="1" fontAlgn="auto" latinLnBrk="0" hangingPunct="1">
+              <a:lnSpc>
+                <a:spcPct val="100000"/>
+              </a:lnSpc>
+              <a:spcBef>
+                <a:spcPts val="0"/>
+              </a:spcBef>
+              <a:spcAft>
+                <a:spcPts val="0"/>
+              </a:spcAft>
+              <a:buClrTx/>
+              <a:buSzTx/>
+              <a:buFontTx/>
+              <a:buNone/>
+              <a:tabLst/>
+              <a:defRPr/>
+            </a:pPr>
+            <a:r>
+              <a:rPr kumimoji="0" lang="zh-CN" altLang="en-US" sz="1800" b="0" i="0" u="none" strike="noStrike" kern="1200" cap="none" spc="0" normalizeH="0" baseline="0" noProof="0" dirty="0">
+                <a:ln>
+                  <a:noFill/>
+                </a:ln>
+                <a:solidFill>
+                  <a:prstClr val="white"/>
+                </a:solidFill>
+                <a:effectLst/>
+                <a:uLnTx/>
+                <a:uFillTx/>
+                <a:latin typeface="Calibri" panose="020F0502020204030204"/>
+                <a:ea typeface="等线" panose="02010600030101010101" pitchFamily="2" charset="-122"/>
+                <a:cs typeface="+mn-cs"/>
+              </a:rPr>
+              <a:t>提取码：</a:t>
+            </a:r>
+            <a:r>
+              <a:rPr kumimoji="0" lang="en-US" altLang="zh-CN" sz="1800" b="0" i="0" u="none" strike="noStrike" kern="1200" cap="none" spc="0" normalizeH="0" baseline="0" noProof="0" dirty="0">
+                <a:ln>
+                  <a:noFill/>
+                </a:ln>
+                <a:solidFill>
+                  <a:srgbClr val="24F9CB"/>
+                </a:solidFill>
+                <a:effectLst/>
+                <a:uLnTx/>
+                <a:uFillTx/>
+                <a:latin typeface="Calibri" panose="020F0502020204030204"/>
+                <a:ea typeface="等线" panose="02010600030101010101" pitchFamily="2" charset="-122"/>
+                <a:cs typeface="+mn-cs"/>
+              </a:rPr>
+              <a:t>5wf1</a:t>
+            </a:r>
+          </a:p>
+        </p:txBody>
+      </p:sp>
+      <p:sp>
+        <p:nvSpPr>
+          <p:cNvPr id="31" name="文本框 30">
+            <a:extLst>
+              <a:ext uri="{FF2B5EF4-FFF2-40B4-BE49-F238E27FC236}">
+                <a16:creationId xmlns:a16="http://schemas.microsoft.com/office/drawing/2014/main" id="{7B79B3B0-2AD7-48E2-A3AF-7A90F94AE541}"/>
+              </a:ext>
+            </a:extLst>
+          </p:cNvPr>
+          <p:cNvSpPr txBox="1"/>
+          <p:nvPr/>
+        </p:nvSpPr>
+        <p:spPr>
+          <a:xfrm>
+            <a:off x="3179374" y="4365900"/>
+            <a:ext cx="8035915" cy="369332"/>
+          </a:xfrm>
+          <a:prstGeom prst="rect">
+            <a:avLst/>
+          </a:prstGeom>
+          <a:noFill/>
+        </p:spPr>
+        <p:txBody>
+          <a:bodyPr wrap="square" rtlCol="0">
+            <a:spAutoFit/>
+          </a:bodyPr>
+          <a:lstStyle/>
+          <a:p>
+            <a:pPr lvl="0">
+              <a:defRPr/>
+            </a:pPr>
+            <a:r>
+              <a:rPr kumimoji="0" lang="zh-CN" altLang="en-US" sz="1800" b="0" i="0" u="none" strike="noStrike" kern="1200" cap="none" spc="0" normalizeH="0" baseline="0" noProof="0" dirty="0">
+                <a:ln>
+                  <a:noFill/>
+                </a:ln>
+                <a:solidFill>
+                  <a:prstClr val="white"/>
+                </a:solidFill>
+                <a:effectLst/>
+                <a:uLnTx/>
+                <a:uFillTx/>
+                <a:latin typeface="Calibri" panose="020F0502020204030204"/>
+                <a:ea typeface="等线" panose="02010600030101010101" pitchFamily="2" charset="-122"/>
+                <a:cs typeface="+mn-cs"/>
+              </a:rPr>
+              <a:t>安装时的密码：</a:t>
+            </a:r>
+            <a:r>
+              <a:rPr lang="en-US" altLang="zh-CN" dirty="0">
+                <a:solidFill>
+                  <a:srgbClr val="24F9CB"/>
+                </a:solidFill>
+              </a:rPr>
+              <a:t>xclient.info</a:t>
+            </a:r>
+            <a:endParaRPr kumimoji="0" lang="en-US" altLang="zh-CN" sz="1800" b="0" i="0" u="none" strike="noStrike" kern="1200" cap="none" spc="0" normalizeH="0" baseline="0" noProof="0" dirty="0">
+              <a:ln>
+                <a:noFill/>
+              </a:ln>
+              <a:solidFill>
+                <a:srgbClr val="24F9CB"/>
+              </a:solidFill>
+              <a:effectLst/>
+              <a:uLnTx/>
+              <a:uFillTx/>
+              <a:latin typeface="Calibri" panose="020F0502020204030204"/>
+              <a:ea typeface="等线" panose="02010600030101010101" pitchFamily="2" charset="-122"/>
+              <a:cs typeface="+mn-cs"/>
+            </a:endParaRPr>
+          </a:p>
+        </p:txBody>
+      </p:sp>
+      <p:sp>
+        <p:nvSpPr>
+          <p:cNvPr id="32" name="文本框 31">
+            <a:extLst>
+              <a:ext uri="{FF2B5EF4-FFF2-40B4-BE49-F238E27FC236}">
+                <a16:creationId xmlns:a16="http://schemas.microsoft.com/office/drawing/2014/main" id="{B3861ED2-1979-4DDB-AAFA-94E8CBFA5B7C}"/>
+              </a:ext>
+            </a:extLst>
+          </p:cNvPr>
+          <p:cNvSpPr txBox="1"/>
+          <p:nvPr/>
+        </p:nvSpPr>
+        <p:spPr>
+          <a:xfrm>
+            <a:off x="3179374" y="4735232"/>
+            <a:ext cx="8035915" cy="646331"/>
+          </a:xfrm>
+          <a:prstGeom prst="rect">
+            <a:avLst/>
+          </a:prstGeom>
+          <a:noFill/>
+        </p:spPr>
+        <p:txBody>
+          <a:bodyPr wrap="square" rtlCol="0">
+            <a:spAutoFit/>
+          </a:bodyPr>
+          <a:lstStyle/>
+          <a:p>
+            <a:pPr lvl="0">
+              <a:defRPr/>
+            </a:pPr>
+            <a:r>
+              <a:rPr kumimoji="0" lang="zh-CN" altLang="en-US" sz="1800" b="0" i="0" u="none" strike="noStrike" kern="1200" cap="none" spc="0" normalizeH="0" baseline="0" noProof="0" dirty="0">
+                <a:ln>
+                  <a:noFill/>
+                </a:ln>
+                <a:solidFill>
+                  <a:prstClr val="white"/>
+                </a:solidFill>
+                <a:effectLst/>
+                <a:uLnTx/>
+                <a:uFillTx/>
+                <a:latin typeface="Calibri" panose="020F0502020204030204"/>
+                <a:ea typeface="等线" panose="02010600030101010101" pitchFamily="2" charset="-122"/>
+                <a:cs typeface="+mn-cs"/>
+              </a:rPr>
+              <a:t>如果安装好之后打不开或者提示文件损坏，请参考：</a:t>
+            </a:r>
+            <a:r>
+              <a:rPr lang="en-US" altLang="zh-CN" dirty="0">
+                <a:solidFill>
+                  <a:srgbClr val="24F9CB"/>
+                </a:solidFill>
+              </a:rPr>
+              <a:t>https://xclient.info/a/74559ea2-7870-b992-ed53-52a9d988e382.html</a:t>
+            </a:r>
+            <a:endParaRPr kumimoji="0" lang="en-US" altLang="zh-CN" sz="1800" b="0" i="0" u="none" strike="noStrike" kern="1200" cap="none" spc="0" normalizeH="0" baseline="0" noProof="0" dirty="0">
+              <a:ln>
+                <a:noFill/>
+              </a:ln>
+              <a:solidFill>
+                <a:srgbClr val="24F9CB"/>
+              </a:solidFill>
+              <a:effectLst/>
+              <a:uLnTx/>
+              <a:uFillTx/>
+              <a:latin typeface="Calibri" panose="020F0502020204030204"/>
+              <a:ea typeface="等线" panose="02010600030101010101" pitchFamily="2" charset="-122"/>
+              <a:cs typeface="+mn-cs"/>
             </a:endParaRPr>
           </a:p>
         </p:txBody>
@@ -30922,7 +32142,7 @@
     </p:spTree>
     <p:extLst>
       <p:ext uri="{BB962C8B-B14F-4D97-AF65-F5344CB8AC3E}">
-        <p14:creationId xmlns:p14="http://schemas.microsoft.com/office/powerpoint/2010/main" val="3207397959"/>
+        <p14:creationId xmlns:p14="http://schemas.microsoft.com/office/powerpoint/2010/main" val="1744347778"/>
       </p:ext>
     </p:extLst>
   </p:cSld>
@@ -33769,7 +34989,7 @@
         <p:spPr>
           <a:xfrm>
             <a:off x="2787090" y="841587"/>
-            <a:ext cx="6096000" cy="1477328"/>
+            <a:ext cx="6096000" cy="1323439"/>
           </a:xfrm>
           <a:prstGeom prst="rect">
             <a:avLst/>
@@ -33782,7 +35002,7 @@
           <a:lstStyle/>
           <a:p>
             <a:r>
-              <a:rPr lang="en-US" dirty="0">
+              <a:rPr lang="en-US" sz="1600" dirty="0">
                 <a:solidFill>
                   <a:srgbClr val="569CD6"/>
                 </a:solidFill>
@@ -33791,7 +35011,7 @@
               <a:t>var</a:t>
             </a:r>
             <a:r>
-              <a:rPr lang="en-US" dirty="0">
+              <a:rPr lang="en-US" sz="1600" dirty="0">
                 <a:solidFill>
                   <a:srgbClr val="D4D4D4"/>
                 </a:solidFill>
@@ -33800,7 +35020,7 @@
               <a:t> </a:t>
             </a:r>
             <a:r>
-              <a:rPr lang="en-US" dirty="0">
+              <a:rPr lang="en-US" sz="1600" dirty="0">
                 <a:solidFill>
                   <a:srgbClr val="9CDCFE"/>
                 </a:solidFill>
@@ -33809,7 +35029,7 @@
               <a:t>v1</a:t>
             </a:r>
             <a:r>
-              <a:rPr lang="en-US" dirty="0">
+              <a:rPr lang="en-US" sz="1600" dirty="0">
                 <a:solidFill>
                   <a:srgbClr val="D4D4D4"/>
                 </a:solidFill>
@@ -33818,7 +35038,7 @@
               <a:t> = </a:t>
             </a:r>
             <a:r>
-              <a:rPr lang="en-US" dirty="0">
+              <a:rPr lang="en-US" sz="1600" dirty="0">
                 <a:solidFill>
                   <a:srgbClr val="B5CEA8"/>
                 </a:solidFill>
@@ -33827,7 +35047,7 @@
               <a:t>15</a:t>
             </a:r>
             <a:r>
-              <a:rPr lang="en-US" dirty="0">
+              <a:rPr lang="en-US" sz="1600" dirty="0">
                 <a:solidFill>
                   <a:srgbClr val="D4D4D4"/>
                 </a:solidFill>
@@ -33838,7 +35058,7 @@
           </a:p>
           <a:p>
             <a:br>
-              <a:rPr lang="en-US" dirty="0">
+              <a:rPr lang="en-US" sz="1600" dirty="0">
                 <a:solidFill>
                   <a:srgbClr val="D4D4D4"/>
                 </a:solidFill>
@@ -33846,7 +35066,7 @@
               </a:rPr>
             </a:br>
             <a:r>
-              <a:rPr lang="en-US" dirty="0">
+              <a:rPr lang="en-US" sz="1600" dirty="0">
                 <a:solidFill>
                   <a:srgbClr val="569CD6"/>
                 </a:solidFill>
@@ -33855,7 +35075,7 @@
               <a:t>let</a:t>
             </a:r>
             <a:r>
-              <a:rPr lang="en-US" dirty="0">
+              <a:rPr lang="en-US" sz="1600" dirty="0">
                 <a:solidFill>
                   <a:srgbClr val="D4D4D4"/>
                 </a:solidFill>
@@ -33864,7 +35084,7 @@
               <a:t> </a:t>
             </a:r>
             <a:r>
-              <a:rPr lang="en-US" dirty="0">
+              <a:rPr lang="en-US" sz="1600" dirty="0">
                 <a:solidFill>
                   <a:srgbClr val="9CDCFE"/>
                 </a:solidFill>
@@ -33873,7 +35093,7 @@
               <a:t>v2</a:t>
             </a:r>
             <a:r>
-              <a:rPr lang="en-US" dirty="0">
+              <a:rPr lang="en-US" sz="1600" dirty="0">
                 <a:solidFill>
                   <a:srgbClr val="D4D4D4"/>
                 </a:solidFill>
@@ -33882,7 +35102,7 @@
               <a:t> = </a:t>
             </a:r>
             <a:r>
-              <a:rPr lang="en-US" dirty="0">
+              <a:rPr lang="en-US" sz="1600" dirty="0">
                 <a:solidFill>
                   <a:srgbClr val="CE9178"/>
                 </a:solidFill>
@@ -33891,7 +35111,7 @@
               <a:t>"</a:t>
             </a:r>
             <a:r>
-              <a:rPr lang="en-US" dirty="0" err="1">
+              <a:rPr lang="en-US" sz="1600" dirty="0" err="1">
                 <a:solidFill>
                   <a:srgbClr val="CE9178"/>
                 </a:solidFill>
@@ -33900,7 +35120,7 @@
               <a:t>abc</a:t>
             </a:r>
             <a:r>
-              <a:rPr lang="en-US" dirty="0">
+              <a:rPr lang="en-US" sz="1600" dirty="0">
                 <a:solidFill>
                   <a:srgbClr val="CE9178"/>
                 </a:solidFill>
@@ -33909,7 +35129,7 @@
               <a:t>"</a:t>
             </a:r>
             <a:r>
-              <a:rPr lang="en-US" dirty="0">
+              <a:rPr lang="en-US" sz="1600" dirty="0">
                 <a:solidFill>
                   <a:srgbClr val="D4D4D4"/>
                 </a:solidFill>
@@ -33920,7 +35140,7 @@
           </a:p>
           <a:p>
             <a:br>
-              <a:rPr lang="en-US" dirty="0">
+              <a:rPr lang="en-US" sz="1600" dirty="0">
                 <a:solidFill>
                   <a:srgbClr val="D4D4D4"/>
                 </a:solidFill>
@@ -33928,7 +35148,7 @@
               </a:rPr>
             </a:br>
             <a:r>
-              <a:rPr lang="en-US" dirty="0">
+              <a:rPr lang="en-US" sz="1600" dirty="0">
                 <a:solidFill>
                   <a:srgbClr val="569CD6"/>
                 </a:solidFill>
@@ -33937,7 +35157,7 @@
               <a:t>const</a:t>
             </a:r>
             <a:r>
-              <a:rPr lang="en-US" dirty="0">
+              <a:rPr lang="en-US" sz="1600" dirty="0">
                 <a:solidFill>
                   <a:srgbClr val="D4D4D4"/>
                 </a:solidFill>
@@ -33946,7 +35166,7 @@
               <a:t> </a:t>
             </a:r>
             <a:r>
-              <a:rPr lang="en-US" dirty="0">
+              <a:rPr lang="en-US" sz="1600" dirty="0">
                 <a:solidFill>
                   <a:srgbClr val="9CDCFE"/>
                 </a:solidFill>
@@ -33955,7 +35175,7 @@
               <a:t>v3</a:t>
             </a:r>
             <a:r>
-              <a:rPr lang="en-US" dirty="0">
+              <a:rPr lang="en-US" sz="1600" dirty="0">
                 <a:solidFill>
                   <a:srgbClr val="D4D4D4"/>
                 </a:solidFill>
@@ -33964,7 +35184,7 @@
               <a:t> = </a:t>
             </a:r>
             <a:r>
-              <a:rPr lang="en-US" dirty="0">
+              <a:rPr lang="en-US" sz="1600" dirty="0">
                 <a:solidFill>
                   <a:srgbClr val="B5CEA8"/>
                 </a:solidFill>
@@ -33973,7 +35193,7 @@
               <a:t>24</a:t>
             </a:r>
             <a:r>
-              <a:rPr lang="en-US" dirty="0">
+              <a:rPr lang="en-US" sz="1600" dirty="0">
                 <a:solidFill>
                   <a:srgbClr val="D4D4D4"/>
                 </a:solidFill>
@@ -33981,7 +35201,7 @@
               </a:rPr>
               <a:t>;</a:t>
             </a:r>
-            <a:endParaRPr lang="en-US" b="0" dirty="0">
+            <a:endParaRPr lang="en-US" sz="1600" b="0" dirty="0">
               <a:solidFill>
                 <a:srgbClr val="D4D4D4"/>
               </a:solidFill>
@@ -34947,7 +36167,7 @@
         <p:spPr>
           <a:xfrm>
             <a:off x="2796465" y="1399467"/>
-            <a:ext cx="9001957" cy="2031325"/>
+            <a:ext cx="9001957" cy="1815882"/>
           </a:xfrm>
           <a:prstGeom prst="rect">
             <a:avLst/>
@@ -34960,7 +36180,7 @@
           <a:lstStyle/>
           <a:p>
             <a:r>
-              <a:rPr lang="en-US" dirty="0">
+              <a:rPr lang="en-US" sz="1600" dirty="0">
                 <a:solidFill>
                   <a:srgbClr val="569CD6"/>
                 </a:solidFill>
@@ -34969,7 +36189,7 @@
               <a:t>function</a:t>
             </a:r>
             <a:r>
-              <a:rPr lang="en-US" dirty="0">
+              <a:rPr lang="en-US" sz="1600" dirty="0">
                 <a:solidFill>
                   <a:srgbClr val="D4D4D4"/>
                 </a:solidFill>
@@ -34978,7 +36198,7 @@
               <a:t> </a:t>
             </a:r>
             <a:r>
-              <a:rPr lang="en-US" dirty="0" err="1">
+              <a:rPr lang="en-US" sz="1600" dirty="0" err="1">
                 <a:solidFill>
                   <a:srgbClr val="DCDCAA"/>
                 </a:solidFill>
@@ -34987,7 +36207,7 @@
               <a:t>func</a:t>
             </a:r>
             <a:r>
-              <a:rPr lang="en-US" dirty="0">
+              <a:rPr lang="en-US" sz="1600" dirty="0">
                 <a:solidFill>
                   <a:srgbClr val="D4D4D4"/>
                 </a:solidFill>
@@ -34998,7 +36218,7 @@
           </a:p>
           <a:p>
             <a:br>
-              <a:rPr lang="en-US" dirty="0">
+              <a:rPr lang="en-US" sz="1600" dirty="0">
                 <a:solidFill>
                   <a:srgbClr val="D4D4D4"/>
                 </a:solidFill>
@@ -35006,7 +36226,7 @@
               </a:rPr>
             </a:br>
             <a:r>
-              <a:rPr lang="en-US" dirty="0">
+              <a:rPr lang="en-US" sz="1600" dirty="0">
                 <a:solidFill>
                   <a:srgbClr val="D4D4D4"/>
                 </a:solidFill>
@@ -35015,7 +36235,7 @@
               <a:t>  </a:t>
             </a:r>
             <a:r>
-              <a:rPr lang="en-US" dirty="0">
+              <a:rPr lang="en-US" sz="1600" dirty="0">
                 <a:solidFill>
                   <a:srgbClr val="4EC9B0"/>
                 </a:solidFill>
@@ -35024,7 +36244,7 @@
               <a:t>console</a:t>
             </a:r>
             <a:r>
-              <a:rPr lang="en-US" dirty="0">
+              <a:rPr lang="en-US" sz="1600" dirty="0">
                 <a:solidFill>
                   <a:srgbClr val="D4D4D4"/>
                 </a:solidFill>
@@ -35033,7 +36253,7 @@
               <a:t>.</a:t>
             </a:r>
             <a:r>
-              <a:rPr lang="en-US" dirty="0">
+              <a:rPr lang="en-US" sz="1600" dirty="0">
                 <a:solidFill>
                   <a:srgbClr val="DCDCAA"/>
                 </a:solidFill>
@@ -35042,7 +36262,7 @@
               <a:t>log</a:t>
             </a:r>
             <a:r>
-              <a:rPr lang="en-US" dirty="0">
+              <a:rPr lang="en-US" sz="1600" dirty="0">
                 <a:solidFill>
                   <a:srgbClr val="D4D4D4"/>
                 </a:solidFill>
@@ -35051,7 +36271,7 @@
               <a:t>(</a:t>
             </a:r>
             <a:r>
-              <a:rPr lang="en-US" dirty="0">
+              <a:rPr lang="en-US" sz="1600" dirty="0">
                 <a:solidFill>
                   <a:srgbClr val="9CDCFE"/>
                 </a:solidFill>
@@ -35060,7 +36280,7 @@
               <a:t>value</a:t>
             </a:r>
             <a:r>
-              <a:rPr lang="en-US" dirty="0">
+              <a:rPr lang="en-US" sz="1600" dirty="0">
                 <a:solidFill>
                   <a:srgbClr val="D4D4D4"/>
                 </a:solidFill>
@@ -35069,7 +36289,7 @@
               <a:t>); </a:t>
             </a:r>
             <a:r>
-              <a:rPr lang="en-US" dirty="0">
+              <a:rPr lang="en-US" sz="1600" dirty="0">
                 <a:solidFill>
                   <a:srgbClr val="6A9955"/>
                 </a:solidFill>
@@ -35077,7 +36297,7 @@
               </a:rPr>
               <a:t>// print -&gt; undefined</a:t>
             </a:r>
-            <a:endParaRPr lang="en-US" dirty="0">
+            <a:endParaRPr lang="en-US" sz="1600" dirty="0">
               <a:solidFill>
                 <a:srgbClr val="D4D4D4"/>
               </a:solidFill>
@@ -35086,7 +36306,7 @@
           </a:p>
           <a:p>
             <a:br>
-              <a:rPr lang="en-US" dirty="0">
+              <a:rPr lang="en-US" sz="1600" dirty="0">
                 <a:solidFill>
                   <a:srgbClr val="D4D4D4"/>
                 </a:solidFill>
@@ -35094,7 +36314,7 @@
               </a:rPr>
             </a:br>
             <a:r>
-              <a:rPr lang="en-US" dirty="0">
+              <a:rPr lang="en-US" sz="1600" dirty="0">
                 <a:solidFill>
                   <a:srgbClr val="D4D4D4"/>
                 </a:solidFill>
@@ -35103,7 +36323,7 @@
               <a:t>  </a:t>
             </a:r>
             <a:r>
-              <a:rPr lang="en-US" dirty="0">
+              <a:rPr lang="en-US" sz="1600" dirty="0">
                 <a:solidFill>
                   <a:srgbClr val="569CD6"/>
                 </a:solidFill>
@@ -35112,7 +36332,7 @@
               <a:t>var</a:t>
             </a:r>
             <a:r>
-              <a:rPr lang="en-US" dirty="0">
+              <a:rPr lang="en-US" sz="1600" dirty="0">
                 <a:solidFill>
                   <a:srgbClr val="D4D4D4"/>
                 </a:solidFill>
@@ -35121,7 +36341,7 @@
               <a:t> </a:t>
             </a:r>
             <a:r>
-              <a:rPr lang="en-US" dirty="0">
+              <a:rPr lang="en-US" sz="1600" dirty="0">
                 <a:solidFill>
                   <a:srgbClr val="9CDCFE"/>
                 </a:solidFill>
@@ -35130,7 +36350,7 @@
               <a:t>value</a:t>
             </a:r>
             <a:r>
-              <a:rPr lang="en-US" dirty="0">
+              <a:rPr lang="en-US" sz="1600" dirty="0">
                 <a:solidFill>
                   <a:srgbClr val="D4D4D4"/>
                 </a:solidFill>
@@ -35139,7 +36359,7 @@
               <a:t> = </a:t>
             </a:r>
             <a:r>
-              <a:rPr lang="en-US" dirty="0">
+              <a:rPr lang="en-US" sz="1600" dirty="0">
                 <a:solidFill>
                   <a:srgbClr val="B5CEA8"/>
                 </a:solidFill>
@@ -35148,7 +36368,7 @@
               <a:t>6</a:t>
             </a:r>
             <a:r>
-              <a:rPr lang="en-US" dirty="0">
+              <a:rPr lang="en-US" sz="1600" dirty="0">
                 <a:solidFill>
                   <a:srgbClr val="D4D4D4"/>
                 </a:solidFill>
@@ -35159,7 +36379,7 @@
           </a:p>
           <a:p>
             <a:br>
-              <a:rPr lang="en-US" dirty="0">
+              <a:rPr lang="en-US" sz="1600" dirty="0">
                 <a:solidFill>
                   <a:srgbClr val="D4D4D4"/>
                 </a:solidFill>
@@ -35167,7 +36387,7 @@
               </a:rPr>
             </a:br>
             <a:r>
-              <a:rPr lang="en-US" dirty="0">
+              <a:rPr lang="en-US" sz="1600" dirty="0">
                 <a:solidFill>
                   <a:srgbClr val="D4D4D4"/>
                 </a:solidFill>
@@ -35175,7 +36395,7 @@
               </a:rPr>
               <a:t>}</a:t>
             </a:r>
-            <a:endParaRPr lang="en-US" b="0" dirty="0">
+            <a:endParaRPr lang="en-US" sz="1600" b="0" dirty="0">
               <a:solidFill>
                 <a:srgbClr val="D4D4D4"/>
               </a:solidFill>
@@ -35200,7 +36420,7 @@
         <p:spPr>
           <a:xfrm>
             <a:off x="2796465" y="3757474"/>
-            <a:ext cx="6096000" cy="2585323"/>
+            <a:ext cx="6096000" cy="2308324"/>
           </a:xfrm>
           <a:prstGeom prst="rect">
             <a:avLst/>
@@ -35213,7 +36433,7 @@
           <a:lstStyle/>
           <a:p>
             <a:r>
-              <a:rPr lang="en-US" dirty="0">
+              <a:rPr lang="en-US" sz="1600" dirty="0">
                 <a:solidFill>
                   <a:srgbClr val="569CD6"/>
                 </a:solidFill>
@@ -35222,7 +36442,7 @@
               <a:t>function</a:t>
             </a:r>
             <a:r>
-              <a:rPr lang="en-US" dirty="0">
+              <a:rPr lang="en-US" sz="1600" dirty="0">
                 <a:solidFill>
                   <a:srgbClr val="D4D4D4"/>
                 </a:solidFill>
@@ -35231,7 +36451,7 @@
               <a:t> </a:t>
             </a:r>
             <a:r>
-              <a:rPr lang="en-US" dirty="0" err="1">
+              <a:rPr lang="en-US" sz="1600" dirty="0" err="1">
                 <a:solidFill>
                   <a:srgbClr val="DCDCAA"/>
                 </a:solidFill>
@@ -35240,7 +36460,7 @@
               <a:t>func</a:t>
             </a:r>
             <a:r>
-              <a:rPr lang="en-US" dirty="0">
+              <a:rPr lang="en-US" sz="1600" dirty="0">
                 <a:solidFill>
                   <a:srgbClr val="D4D4D4"/>
                 </a:solidFill>
@@ -35251,7 +36471,7 @@
           </a:p>
           <a:p>
             <a:br>
-              <a:rPr lang="en-US" dirty="0">
+              <a:rPr lang="en-US" sz="1600" dirty="0">
                 <a:solidFill>
                   <a:srgbClr val="D4D4D4"/>
                 </a:solidFill>
@@ -35259,7 +36479,7 @@
               </a:rPr>
             </a:br>
             <a:r>
-              <a:rPr lang="en-US" dirty="0">
+              <a:rPr lang="en-US" sz="1600" dirty="0">
                 <a:solidFill>
                   <a:srgbClr val="D4D4D4"/>
                 </a:solidFill>
@@ -35268,7 +36488,7 @@
               <a:t>  </a:t>
             </a:r>
             <a:r>
-              <a:rPr lang="en-US" dirty="0" err="1">
+              <a:rPr lang="en-US" sz="1600" dirty="0" err="1">
                 <a:solidFill>
                   <a:srgbClr val="DCDCAA"/>
                 </a:solidFill>
@@ -35277,7 +36497,7 @@
               <a:t>innerFunc</a:t>
             </a:r>
             <a:r>
-              <a:rPr lang="en-US" dirty="0">
+              <a:rPr lang="en-US" sz="1600" dirty="0">
                 <a:solidFill>
                   <a:srgbClr val="D4D4D4"/>
                 </a:solidFill>
@@ -35286,7 +36506,7 @@
               <a:t>(); </a:t>
             </a:r>
             <a:r>
-              <a:rPr lang="en-US" dirty="0">
+              <a:rPr lang="en-US" sz="1600" dirty="0">
                 <a:solidFill>
                   <a:srgbClr val="6A9955"/>
                 </a:solidFill>
@@ -35294,7 +36514,7 @@
               </a:rPr>
               <a:t>// print -&gt; apple pie</a:t>
             </a:r>
-            <a:endParaRPr lang="en-US" dirty="0">
+            <a:endParaRPr lang="en-US" sz="1600" dirty="0">
               <a:solidFill>
                 <a:srgbClr val="D4D4D4"/>
               </a:solidFill>
@@ -35303,7 +36523,7 @@
           </a:p>
           <a:p>
             <a:br>
-              <a:rPr lang="en-US" dirty="0">
+              <a:rPr lang="en-US" sz="1600" dirty="0">
                 <a:solidFill>
                   <a:srgbClr val="D4D4D4"/>
                 </a:solidFill>
@@ -35311,7 +36531,7 @@
               </a:rPr>
             </a:br>
             <a:r>
-              <a:rPr lang="en-US" dirty="0">
+              <a:rPr lang="en-US" sz="1600" dirty="0">
                 <a:solidFill>
                   <a:srgbClr val="D4D4D4"/>
                 </a:solidFill>
@@ -35320,7 +36540,7 @@
               <a:t>  </a:t>
             </a:r>
             <a:r>
-              <a:rPr lang="en-US" dirty="0">
+              <a:rPr lang="en-US" sz="1600" dirty="0">
                 <a:solidFill>
                   <a:srgbClr val="569CD6"/>
                 </a:solidFill>
@@ -35329,7 +36549,7 @@
               <a:t>function</a:t>
             </a:r>
             <a:r>
-              <a:rPr lang="en-US" dirty="0">
+              <a:rPr lang="en-US" sz="1600" dirty="0">
                 <a:solidFill>
                   <a:srgbClr val="D4D4D4"/>
                 </a:solidFill>
@@ -35338,7 +36558,7 @@
               <a:t> </a:t>
             </a:r>
             <a:r>
-              <a:rPr lang="en-US" dirty="0" err="1">
+              <a:rPr lang="en-US" sz="1600" dirty="0" err="1">
                 <a:solidFill>
                   <a:srgbClr val="DCDCAA"/>
                 </a:solidFill>
@@ -35347,7 +36567,7 @@
               <a:t>innerFunc</a:t>
             </a:r>
             <a:r>
-              <a:rPr lang="en-US" dirty="0">
+              <a:rPr lang="en-US" sz="1600" dirty="0">
                 <a:solidFill>
                   <a:srgbClr val="D4D4D4"/>
                 </a:solidFill>
@@ -35358,7 +36578,7 @@
           </a:p>
           <a:p>
             <a:r>
-              <a:rPr lang="en-US" dirty="0">
+              <a:rPr lang="en-US" sz="1600" dirty="0">
                 <a:solidFill>
                   <a:srgbClr val="4EC9B0"/>
                 </a:solidFill>
@@ -35367,7 +36587,7 @@
               <a:t>    console</a:t>
             </a:r>
             <a:r>
-              <a:rPr lang="en-US" dirty="0">
+              <a:rPr lang="en-US" sz="1600" dirty="0">
                 <a:solidFill>
                   <a:srgbClr val="D4D4D4"/>
                 </a:solidFill>
@@ -35376,7 +36596,7 @@
               <a:t>.</a:t>
             </a:r>
             <a:r>
-              <a:rPr lang="en-US" dirty="0">
+              <a:rPr lang="en-US" sz="1600" dirty="0">
                 <a:solidFill>
                   <a:srgbClr val="DCDCAA"/>
                 </a:solidFill>
@@ -35385,7 +36605,7 @@
               <a:t>log</a:t>
             </a:r>
             <a:r>
-              <a:rPr lang="en-US" dirty="0">
+              <a:rPr lang="en-US" sz="1600" dirty="0">
                 <a:solidFill>
                   <a:srgbClr val="D4D4D4"/>
                 </a:solidFill>
@@ -35394,7 +36614,7 @@
               <a:t>(</a:t>
             </a:r>
             <a:r>
-              <a:rPr lang="en-US" dirty="0">
+              <a:rPr lang="en-US" sz="1600" dirty="0">
                 <a:solidFill>
                   <a:srgbClr val="CE9178"/>
                 </a:solidFill>
@@ -35403,7 +36623,7 @@
               <a:t>"apple pie"</a:t>
             </a:r>
             <a:r>
-              <a:rPr lang="en-US" dirty="0">
+              <a:rPr lang="en-US" sz="1600" dirty="0">
                 <a:solidFill>
                   <a:srgbClr val="D4D4D4"/>
                 </a:solidFill>
@@ -35414,7 +36634,7 @@
           </a:p>
           <a:p>
             <a:r>
-              <a:rPr lang="en-US" dirty="0">
+              <a:rPr lang="en-US" sz="1600" dirty="0">
                 <a:solidFill>
                   <a:srgbClr val="D4D4D4"/>
                 </a:solidFill>
@@ -35425,7 +36645,7 @@
           </a:p>
           <a:p>
             <a:br>
-              <a:rPr lang="en-US" dirty="0">
+              <a:rPr lang="en-US" sz="1600" dirty="0">
                 <a:solidFill>
                   <a:srgbClr val="D4D4D4"/>
                 </a:solidFill>
@@ -35433,7 +36653,7 @@
               </a:rPr>
             </a:br>
             <a:r>
-              <a:rPr lang="en-US" dirty="0">
+              <a:rPr lang="en-US" sz="1600" dirty="0">
                 <a:solidFill>
                   <a:srgbClr val="D4D4D4"/>
                 </a:solidFill>
@@ -35441,7 +36661,7 @@
               </a:rPr>
               <a:t>}</a:t>
             </a:r>
-            <a:endParaRPr lang="en-US" b="0" dirty="0">
+            <a:endParaRPr lang="en-US" sz="1600" b="0" dirty="0">
               <a:solidFill>
                 <a:srgbClr val="D4D4D4"/>
               </a:solidFill>
@@ -36170,7 +37390,7 @@
         <p:spPr>
           <a:xfrm>
             <a:off x="2831976" y="2832812"/>
-            <a:ext cx="3113103" cy="1754326"/>
+            <a:ext cx="3113103" cy="1569660"/>
           </a:xfrm>
           <a:prstGeom prst="rect">
             <a:avLst/>
@@ -36183,7 +37403,7 @@
           <a:lstStyle/>
           <a:p>
             <a:r>
-              <a:rPr lang="en-US" dirty="0">
+              <a:rPr lang="en-US" sz="1600" dirty="0">
                 <a:solidFill>
                   <a:srgbClr val="C586C0"/>
                 </a:solidFill>
@@ -36192,7 +37412,7 @@
               <a:t>if</a:t>
             </a:r>
             <a:r>
-              <a:rPr lang="en-US" dirty="0">
+              <a:rPr lang="en-US" sz="1600" dirty="0">
                 <a:solidFill>
                   <a:srgbClr val="D4D4D4"/>
                 </a:solidFill>
@@ -36201,7 +37421,7 @@
               <a:t> (</a:t>
             </a:r>
             <a:r>
-              <a:rPr lang="en-US" dirty="0">
+              <a:rPr lang="en-US" sz="1600" dirty="0">
                 <a:solidFill>
                   <a:srgbClr val="9CDCFE"/>
                 </a:solidFill>
@@ -36210,7 +37430,7 @@
               <a:t>number</a:t>
             </a:r>
             <a:r>
-              <a:rPr lang="en-US" dirty="0">
+              <a:rPr lang="en-US" sz="1600" dirty="0">
                 <a:solidFill>
                   <a:srgbClr val="D4D4D4"/>
                 </a:solidFill>
@@ -36219,7 +37439,7 @@
               <a:t> &lt; </a:t>
             </a:r>
             <a:r>
-              <a:rPr lang="en-US" dirty="0">
+              <a:rPr lang="en-US" sz="1600" dirty="0">
                 <a:solidFill>
                   <a:srgbClr val="B5CEA8"/>
                 </a:solidFill>
@@ -36228,7 +37448,7 @@
               <a:t>0.5</a:t>
             </a:r>
             <a:r>
-              <a:rPr lang="en-US" dirty="0">
+              <a:rPr lang="en-US" sz="1600" dirty="0">
                 <a:solidFill>
                   <a:srgbClr val="D4D4D4"/>
                 </a:solidFill>
@@ -36239,7 +37459,7 @@
           </a:p>
           <a:p>
             <a:r>
-              <a:rPr lang="en-US" dirty="0">
+              <a:rPr lang="en-US" sz="1600" dirty="0">
                 <a:solidFill>
                   <a:srgbClr val="569CD6"/>
                 </a:solidFill>
@@ -36248,7 +37468,7 @@
               <a:t>  var</a:t>
             </a:r>
             <a:r>
-              <a:rPr lang="en-US" dirty="0">
+              <a:rPr lang="en-US" sz="1600" dirty="0">
                 <a:solidFill>
                   <a:srgbClr val="D4D4D4"/>
                 </a:solidFill>
@@ -36257,7 +37477,7 @@
               <a:t> </a:t>
             </a:r>
             <a:r>
-              <a:rPr lang="en-US" dirty="0">
+              <a:rPr lang="en-US" sz="1600" dirty="0">
                 <a:solidFill>
                   <a:srgbClr val="9CDCFE"/>
                 </a:solidFill>
@@ -36266,7 +37486,7 @@
               <a:t>result</a:t>
             </a:r>
             <a:r>
-              <a:rPr lang="en-US" dirty="0">
+              <a:rPr lang="en-US" sz="1600" dirty="0">
                 <a:solidFill>
                   <a:srgbClr val="D4D4D4"/>
                 </a:solidFill>
@@ -36275,7 +37495,7 @@
               <a:t> = </a:t>
             </a:r>
             <a:r>
-              <a:rPr lang="en-US" dirty="0">
+              <a:rPr lang="en-US" sz="1600" dirty="0">
                 <a:solidFill>
                   <a:srgbClr val="569CD6"/>
                 </a:solidFill>
@@ -36284,7 +37504,7 @@
               <a:t>true</a:t>
             </a:r>
             <a:r>
-              <a:rPr lang="en-US" dirty="0">
+              <a:rPr lang="en-US" sz="1600" dirty="0">
                 <a:solidFill>
                   <a:srgbClr val="D4D4D4"/>
                 </a:solidFill>
@@ -36295,7 +37515,7 @@
           </a:p>
           <a:p>
             <a:r>
-              <a:rPr lang="en-US" dirty="0">
+              <a:rPr lang="en-US" sz="1600" dirty="0">
                 <a:solidFill>
                   <a:srgbClr val="D4D4D4"/>
                 </a:solidFill>
@@ -36304,7 +37524,7 @@
               <a:t>} </a:t>
             </a:r>
             <a:r>
-              <a:rPr lang="en-US" dirty="0">
+              <a:rPr lang="en-US" sz="1600" dirty="0">
                 <a:solidFill>
                   <a:srgbClr val="C586C0"/>
                 </a:solidFill>
@@ -36313,7 +37533,7 @@
               <a:t>else</a:t>
             </a:r>
             <a:r>
-              <a:rPr lang="en-US" dirty="0">
+              <a:rPr lang="en-US" sz="1600" dirty="0">
                 <a:solidFill>
                   <a:srgbClr val="D4D4D4"/>
                 </a:solidFill>
@@ -36324,7 +37544,7 @@
           </a:p>
           <a:p>
             <a:r>
-              <a:rPr lang="en-US" dirty="0">
+              <a:rPr lang="en-US" sz="1600" dirty="0">
                 <a:solidFill>
                   <a:srgbClr val="569CD6"/>
                 </a:solidFill>
@@ -36333,7 +37553,7 @@
               <a:t>  var</a:t>
             </a:r>
             <a:r>
-              <a:rPr lang="en-US" dirty="0">
+              <a:rPr lang="en-US" sz="1600" dirty="0">
                 <a:solidFill>
                   <a:srgbClr val="D4D4D4"/>
                 </a:solidFill>
@@ -36342,7 +37562,7 @@
               <a:t> </a:t>
             </a:r>
             <a:r>
-              <a:rPr lang="en-US" dirty="0">
+              <a:rPr lang="en-US" sz="1600" dirty="0">
                 <a:solidFill>
                   <a:srgbClr val="9CDCFE"/>
                 </a:solidFill>
@@ -36351,7 +37571,7 @@
               <a:t>result</a:t>
             </a:r>
             <a:r>
-              <a:rPr lang="en-US" dirty="0">
+              <a:rPr lang="en-US" sz="1600" dirty="0">
                 <a:solidFill>
                   <a:srgbClr val="D4D4D4"/>
                 </a:solidFill>
@@ -36360,7 +37580,7 @@
               <a:t> = </a:t>
             </a:r>
             <a:r>
-              <a:rPr lang="en-US" dirty="0">
+              <a:rPr lang="en-US" sz="1600" dirty="0">
                 <a:solidFill>
                   <a:srgbClr val="569CD6"/>
                 </a:solidFill>
@@ -36369,7 +37589,7 @@
               <a:t>false</a:t>
             </a:r>
             <a:r>
-              <a:rPr lang="en-US" dirty="0">
+              <a:rPr lang="en-US" sz="1600" dirty="0">
                 <a:solidFill>
                   <a:srgbClr val="D4D4D4"/>
                 </a:solidFill>
@@ -36380,7 +37600,7 @@
           </a:p>
           <a:p>
             <a:r>
-              <a:rPr lang="en-US" dirty="0">
+              <a:rPr lang="en-US" sz="1600" dirty="0">
                 <a:solidFill>
                   <a:srgbClr val="D4D4D4"/>
                 </a:solidFill>
@@ -36391,7 +37611,7 @@
           </a:p>
           <a:p>
             <a:r>
-              <a:rPr lang="en-US" dirty="0">
+              <a:rPr lang="en-US" sz="1600" dirty="0">
                 <a:solidFill>
                   <a:srgbClr val="4EC9B0"/>
                 </a:solidFill>
@@ -36400,7 +37620,7 @@
               <a:t>console</a:t>
             </a:r>
             <a:r>
-              <a:rPr lang="en-US" dirty="0">
+              <a:rPr lang="en-US" sz="1600" dirty="0">
                 <a:solidFill>
                   <a:srgbClr val="D4D4D4"/>
                 </a:solidFill>
@@ -36409,7 +37629,7 @@
               <a:t>.</a:t>
             </a:r>
             <a:r>
-              <a:rPr lang="en-US" dirty="0">
+              <a:rPr lang="en-US" sz="1600" dirty="0">
                 <a:solidFill>
                   <a:srgbClr val="DCDCAA"/>
                 </a:solidFill>
@@ -36418,7 +37638,7 @@
               <a:t>log</a:t>
             </a:r>
             <a:r>
-              <a:rPr lang="en-US" dirty="0">
+              <a:rPr lang="en-US" sz="1600" dirty="0">
                 <a:solidFill>
                   <a:srgbClr val="D4D4D4"/>
                 </a:solidFill>
@@ -36427,7 +37647,7 @@
               <a:t>(</a:t>
             </a:r>
             <a:r>
-              <a:rPr lang="en-US" dirty="0">
+              <a:rPr lang="en-US" sz="1600" dirty="0">
                 <a:solidFill>
                   <a:srgbClr val="9CDCFE"/>
                 </a:solidFill>
@@ -36436,7 +37656,7 @@
               <a:t>result</a:t>
             </a:r>
             <a:r>
-              <a:rPr lang="en-US" dirty="0">
+              <a:rPr lang="en-US" sz="1600" dirty="0">
                 <a:solidFill>
                   <a:srgbClr val="D4D4D4"/>
                 </a:solidFill>
@@ -36444,7 +37664,7 @@
               </a:rPr>
               <a:t>);</a:t>
             </a:r>
-            <a:endParaRPr lang="en-US" b="0" dirty="0">
+            <a:endParaRPr lang="en-US" sz="1600" b="0" dirty="0">
               <a:solidFill>
                 <a:srgbClr val="D4D4D4"/>
               </a:solidFill>
@@ -36469,7 +37689,7 @@
         <p:spPr>
           <a:xfrm>
             <a:off x="7377344" y="2688852"/>
-            <a:ext cx="2944427" cy="2031325"/>
+            <a:ext cx="2944427" cy="1815882"/>
           </a:xfrm>
           <a:prstGeom prst="rect">
             <a:avLst/>
@@ -36482,7 +37702,7 @@
           <a:lstStyle/>
           <a:p>
             <a:r>
-              <a:rPr lang="en-US" dirty="0">
+              <a:rPr lang="en-US" sz="1600" dirty="0">
                 <a:solidFill>
                   <a:srgbClr val="569CD6"/>
                 </a:solidFill>
@@ -36491,7 +37711,7 @@
               <a:t>let</a:t>
             </a:r>
             <a:r>
-              <a:rPr lang="en-US" dirty="0">
+              <a:rPr lang="en-US" sz="1600" dirty="0">
                 <a:solidFill>
                   <a:srgbClr val="D4D4D4"/>
                 </a:solidFill>
@@ -36500,7 +37720,7 @@
               <a:t> </a:t>
             </a:r>
             <a:r>
-              <a:rPr lang="en-US" dirty="0">
+              <a:rPr lang="en-US" sz="1600" dirty="0">
                 <a:solidFill>
                   <a:srgbClr val="9CDCFE"/>
                 </a:solidFill>
@@ -36509,7 +37729,7 @@
               <a:t>result</a:t>
             </a:r>
             <a:r>
-              <a:rPr lang="en-US" dirty="0">
+              <a:rPr lang="en-US" sz="1600" dirty="0">
                 <a:solidFill>
                   <a:srgbClr val="D4D4D4"/>
                 </a:solidFill>
@@ -36520,7 +37740,7 @@
           </a:p>
           <a:p>
             <a:r>
-              <a:rPr lang="en-US" dirty="0">
+              <a:rPr lang="en-US" sz="1600" dirty="0">
                 <a:solidFill>
                   <a:srgbClr val="C586C0"/>
                 </a:solidFill>
@@ -36529,7 +37749,7 @@
               <a:t>if</a:t>
             </a:r>
             <a:r>
-              <a:rPr lang="en-US" dirty="0">
+              <a:rPr lang="en-US" sz="1600" dirty="0">
                 <a:solidFill>
                   <a:srgbClr val="D4D4D4"/>
                 </a:solidFill>
@@ -36538,7 +37758,7 @@
               <a:t> (</a:t>
             </a:r>
             <a:r>
-              <a:rPr lang="en-US" dirty="0">
+              <a:rPr lang="en-US" sz="1600" dirty="0">
                 <a:solidFill>
                   <a:srgbClr val="9CDCFE"/>
                 </a:solidFill>
@@ -36547,7 +37767,7 @@
               <a:t>number</a:t>
             </a:r>
             <a:r>
-              <a:rPr lang="en-US" dirty="0">
+              <a:rPr lang="en-US" sz="1600" dirty="0">
                 <a:solidFill>
                   <a:srgbClr val="D4D4D4"/>
                 </a:solidFill>
@@ -36556,7 +37776,7 @@
               <a:t> &lt; </a:t>
             </a:r>
             <a:r>
-              <a:rPr lang="en-US" dirty="0">
+              <a:rPr lang="en-US" sz="1600" dirty="0">
                 <a:solidFill>
                   <a:srgbClr val="B5CEA8"/>
                 </a:solidFill>
@@ -36565,7 +37785,7 @@
               <a:t>0.5</a:t>
             </a:r>
             <a:r>
-              <a:rPr lang="en-US" dirty="0">
+              <a:rPr lang="en-US" sz="1600" dirty="0">
                 <a:solidFill>
                   <a:srgbClr val="D4D4D4"/>
                 </a:solidFill>
@@ -36576,7 +37796,7 @@
           </a:p>
           <a:p>
             <a:r>
-              <a:rPr lang="en-US" dirty="0">
+              <a:rPr lang="en-US" sz="1600" dirty="0">
                 <a:solidFill>
                   <a:srgbClr val="9CDCFE"/>
                 </a:solidFill>
@@ -36585,7 +37805,7 @@
               <a:t>  result</a:t>
             </a:r>
             <a:r>
-              <a:rPr lang="en-US" dirty="0">
+              <a:rPr lang="en-US" sz="1600" dirty="0">
                 <a:solidFill>
                   <a:srgbClr val="D4D4D4"/>
                 </a:solidFill>
@@ -36594,7 +37814,7 @@
               <a:t> = </a:t>
             </a:r>
             <a:r>
-              <a:rPr lang="en-US" dirty="0">
+              <a:rPr lang="en-US" sz="1600" dirty="0">
                 <a:solidFill>
                   <a:srgbClr val="569CD6"/>
                 </a:solidFill>
@@ -36603,7 +37823,7 @@
               <a:t>true</a:t>
             </a:r>
             <a:r>
-              <a:rPr lang="en-US" dirty="0">
+              <a:rPr lang="en-US" sz="1600" dirty="0">
                 <a:solidFill>
                   <a:srgbClr val="D4D4D4"/>
                 </a:solidFill>
@@ -36614,7 +37834,7 @@
           </a:p>
           <a:p>
             <a:r>
-              <a:rPr lang="en-US" dirty="0">
+              <a:rPr lang="en-US" sz="1600" dirty="0">
                 <a:solidFill>
                   <a:srgbClr val="D4D4D4"/>
                 </a:solidFill>
@@ -36623,7 +37843,7 @@
               <a:t>} </a:t>
             </a:r>
             <a:r>
-              <a:rPr lang="en-US" dirty="0">
+              <a:rPr lang="en-US" sz="1600" dirty="0">
                 <a:solidFill>
                   <a:srgbClr val="C586C0"/>
                 </a:solidFill>
@@ -36632,7 +37852,7 @@
               <a:t>else</a:t>
             </a:r>
             <a:r>
-              <a:rPr lang="en-US" dirty="0">
+              <a:rPr lang="en-US" sz="1600" dirty="0">
                 <a:solidFill>
                   <a:srgbClr val="D4D4D4"/>
                 </a:solidFill>
@@ -36643,7 +37863,7 @@
           </a:p>
           <a:p>
             <a:r>
-              <a:rPr lang="en-US" dirty="0">
+              <a:rPr lang="en-US" sz="1600" dirty="0">
                 <a:solidFill>
                   <a:srgbClr val="9CDCFE"/>
                 </a:solidFill>
@@ -36652,7 +37872,7 @@
               <a:t>  result</a:t>
             </a:r>
             <a:r>
-              <a:rPr lang="en-US" dirty="0">
+              <a:rPr lang="en-US" sz="1600" dirty="0">
                 <a:solidFill>
                   <a:srgbClr val="D4D4D4"/>
                 </a:solidFill>
@@ -36661,7 +37881,7 @@
               <a:t> = </a:t>
             </a:r>
             <a:r>
-              <a:rPr lang="en-US" dirty="0">
+              <a:rPr lang="en-US" sz="1600" dirty="0">
                 <a:solidFill>
                   <a:srgbClr val="569CD6"/>
                 </a:solidFill>
@@ -36670,7 +37890,7 @@
               <a:t>false</a:t>
             </a:r>
             <a:r>
-              <a:rPr lang="en-US" dirty="0">
+              <a:rPr lang="en-US" sz="1600" dirty="0">
                 <a:solidFill>
                   <a:srgbClr val="D4D4D4"/>
                 </a:solidFill>
@@ -36681,7 +37901,7 @@
           </a:p>
           <a:p>
             <a:r>
-              <a:rPr lang="en-US" dirty="0">
+              <a:rPr lang="en-US" sz="1600" dirty="0">
                 <a:solidFill>
                   <a:srgbClr val="D4D4D4"/>
                 </a:solidFill>
@@ -36692,7 +37912,7 @@
           </a:p>
           <a:p>
             <a:r>
-              <a:rPr lang="en-US" dirty="0">
+              <a:rPr lang="en-US" sz="1600" dirty="0">
                 <a:solidFill>
                   <a:srgbClr val="4EC9B0"/>
                 </a:solidFill>
@@ -36701,7 +37921,7 @@
               <a:t>console</a:t>
             </a:r>
             <a:r>
-              <a:rPr lang="en-US" dirty="0">
+              <a:rPr lang="en-US" sz="1600" dirty="0">
                 <a:solidFill>
                   <a:srgbClr val="D4D4D4"/>
                 </a:solidFill>
@@ -36710,7 +37930,7 @@
               <a:t>.</a:t>
             </a:r>
             <a:r>
-              <a:rPr lang="en-US" dirty="0">
+              <a:rPr lang="en-US" sz="1600" dirty="0">
                 <a:solidFill>
                   <a:srgbClr val="DCDCAA"/>
                 </a:solidFill>
@@ -36719,7 +37939,7 @@
               <a:t>log</a:t>
             </a:r>
             <a:r>
-              <a:rPr lang="en-US" dirty="0">
+              <a:rPr lang="en-US" sz="1600" dirty="0">
                 <a:solidFill>
                   <a:srgbClr val="D4D4D4"/>
                 </a:solidFill>
@@ -36728,7 +37948,7 @@
               <a:t>(</a:t>
             </a:r>
             <a:r>
-              <a:rPr lang="en-US" dirty="0">
+              <a:rPr lang="en-US" sz="1600" dirty="0">
                 <a:solidFill>
                   <a:srgbClr val="9CDCFE"/>
                 </a:solidFill>
@@ -36737,7 +37957,7 @@
               <a:t>result</a:t>
             </a:r>
             <a:r>
-              <a:rPr lang="en-US" dirty="0">
+              <a:rPr lang="en-US" sz="1600" dirty="0">
                 <a:solidFill>
                   <a:srgbClr val="D4D4D4"/>
                 </a:solidFill>
@@ -36745,7 +37965,7 @@
               </a:rPr>
               <a:t>);</a:t>
             </a:r>
-            <a:endParaRPr lang="en-US" b="0" dirty="0">
+            <a:endParaRPr lang="en-US" sz="1600" b="0" dirty="0">
               <a:solidFill>
                 <a:srgbClr val="D4D4D4"/>
               </a:solidFill>

--- a/lectures/lecture01.pptx
+++ b/lectures/lecture01.pptx
@@ -290,7 +290,7 @@
           <a:p>
             <a:fld id="{57CF08AD-F0F7-AE4B-B667-A82446B580D0}" type="datetimeFigureOut">
               <a:rPr lang="en-US" smtClean="0"/>
-              <a:t>2/16/2019</a:t>
+              <a:t>5/31/19</a:t>
             </a:fld>
             <a:endParaRPr lang="en-US"/>
           </a:p>
@@ -488,7 +488,7 @@
           <a:p>
             <a:fld id="{57CF08AD-F0F7-AE4B-B667-A82446B580D0}" type="datetimeFigureOut">
               <a:rPr lang="en-US" smtClean="0"/>
-              <a:t>2/16/2019</a:t>
+              <a:t>5/31/19</a:t>
             </a:fld>
             <a:endParaRPr lang="en-US"/>
           </a:p>
@@ -696,7 +696,7 @@
           <a:p>
             <a:fld id="{57CF08AD-F0F7-AE4B-B667-A82446B580D0}" type="datetimeFigureOut">
               <a:rPr lang="en-US" smtClean="0"/>
-              <a:t>2/16/2019</a:t>
+              <a:t>5/31/19</a:t>
             </a:fld>
             <a:endParaRPr lang="en-US"/>
           </a:p>
@@ -894,7 +894,7 @@
           <a:p>
             <a:fld id="{57CF08AD-F0F7-AE4B-B667-A82446B580D0}" type="datetimeFigureOut">
               <a:rPr lang="en-US" smtClean="0"/>
-              <a:t>2/16/2019</a:t>
+              <a:t>5/31/19</a:t>
             </a:fld>
             <a:endParaRPr lang="en-US"/>
           </a:p>
@@ -1169,7 +1169,7 @@
           <a:p>
             <a:fld id="{57CF08AD-F0F7-AE4B-B667-A82446B580D0}" type="datetimeFigureOut">
               <a:rPr lang="en-US" smtClean="0"/>
-              <a:t>2/16/2019</a:t>
+              <a:t>5/31/19</a:t>
             </a:fld>
             <a:endParaRPr lang="en-US"/>
           </a:p>
@@ -1434,7 +1434,7 @@
           <a:p>
             <a:fld id="{57CF08AD-F0F7-AE4B-B667-A82446B580D0}" type="datetimeFigureOut">
               <a:rPr lang="en-US" smtClean="0"/>
-              <a:t>2/16/2019</a:t>
+              <a:t>5/31/19</a:t>
             </a:fld>
             <a:endParaRPr lang="en-US"/>
           </a:p>
@@ -1846,7 +1846,7 @@
           <a:p>
             <a:fld id="{57CF08AD-F0F7-AE4B-B667-A82446B580D0}" type="datetimeFigureOut">
               <a:rPr lang="en-US" smtClean="0"/>
-              <a:t>2/16/2019</a:t>
+              <a:t>5/31/19</a:t>
             </a:fld>
             <a:endParaRPr lang="en-US"/>
           </a:p>
@@ -1987,7 +1987,7 @@
           <a:p>
             <a:fld id="{57CF08AD-F0F7-AE4B-B667-A82446B580D0}" type="datetimeFigureOut">
               <a:rPr lang="en-US" smtClean="0"/>
-              <a:t>2/16/2019</a:t>
+              <a:t>5/31/19</a:t>
             </a:fld>
             <a:endParaRPr lang="en-US"/>
           </a:p>
@@ -2100,7 +2100,7 @@
           <a:p>
             <a:fld id="{57CF08AD-F0F7-AE4B-B667-A82446B580D0}" type="datetimeFigureOut">
               <a:rPr lang="en-US" smtClean="0"/>
-              <a:t>2/16/2019</a:t>
+              <a:t>5/31/19</a:t>
             </a:fld>
             <a:endParaRPr lang="en-US"/>
           </a:p>
@@ -2411,7 +2411,7 @@
           <a:p>
             <a:fld id="{57CF08AD-F0F7-AE4B-B667-A82446B580D0}" type="datetimeFigureOut">
               <a:rPr lang="en-US" smtClean="0"/>
-              <a:t>2/16/2019</a:t>
+              <a:t>5/31/19</a:t>
             </a:fld>
             <a:endParaRPr lang="en-US"/>
           </a:p>
@@ -2699,7 +2699,7 @@
           <a:p>
             <a:fld id="{57CF08AD-F0F7-AE4B-B667-A82446B580D0}" type="datetimeFigureOut">
               <a:rPr lang="en-US" smtClean="0"/>
-              <a:t>2/16/2019</a:t>
+              <a:t>5/31/19</a:t>
             </a:fld>
             <a:endParaRPr lang="en-US"/>
           </a:p>
@@ -2940,7 +2940,7 @@
           <a:p>
             <a:fld id="{57CF08AD-F0F7-AE4B-B667-A82446B580D0}" type="datetimeFigureOut">
               <a:rPr lang="en-US" smtClean="0"/>
-              <a:t>2/16/2019</a:t>
+              <a:t>5/31/19</a:t>
             </a:fld>
             <a:endParaRPr lang="en-US"/>
           </a:p>
